--- a/Presentations/3_Developer-toolkit.pptx
+++ b/Presentations/3_Developer-toolkit.pptx
@@ -5,10 +5,10 @@
     <p:sldMasterId id="2147483660" r:id="rId1"/>
   </p:sldMasterIdLst>
   <p:notesMasterIdLst>
-    <p:notesMasterId r:id="rId20"/>
+    <p:notesMasterId r:id="rId18"/>
   </p:notesMasterIdLst>
   <p:handoutMasterIdLst>
-    <p:handoutMasterId r:id="rId21"/>
+    <p:handoutMasterId r:id="rId19"/>
   </p:handoutMasterIdLst>
   <p:sldIdLst>
     <p:sldId id="302" r:id="rId2"/>
@@ -17,23 +17,21 @@
     <p:sldId id="380" r:id="rId5"/>
     <p:sldId id="379" r:id="rId6"/>
     <p:sldId id="378" r:id="rId7"/>
-    <p:sldId id="381" r:id="rId8"/>
-    <p:sldId id="383" r:id="rId9"/>
-    <p:sldId id="382" r:id="rId10"/>
-    <p:sldId id="390" r:id="rId11"/>
-    <p:sldId id="389" r:id="rId12"/>
-    <p:sldId id="384" r:id="rId13"/>
-    <p:sldId id="391" r:id="rId14"/>
-    <p:sldId id="392" r:id="rId15"/>
-    <p:sldId id="385" r:id="rId16"/>
-    <p:sldId id="386" r:id="rId17"/>
-    <p:sldId id="387" r:id="rId18"/>
-    <p:sldId id="388" r:id="rId19"/>
+    <p:sldId id="383" r:id="rId8"/>
+    <p:sldId id="390" r:id="rId9"/>
+    <p:sldId id="389" r:id="rId10"/>
+    <p:sldId id="384" r:id="rId11"/>
+    <p:sldId id="391" r:id="rId12"/>
+    <p:sldId id="392" r:id="rId13"/>
+    <p:sldId id="385" r:id="rId14"/>
+    <p:sldId id="386" r:id="rId15"/>
+    <p:sldId id="387" r:id="rId16"/>
+    <p:sldId id="388" r:id="rId17"/>
   </p:sldIdLst>
   <p:sldSz cx="12192000" cy="6858000"/>
   <p:notesSz cx="6858000" cy="9144000"/>
   <p:custDataLst>
-    <p:tags r:id="rId22"/>
+    <p:tags r:id="rId20"/>
   </p:custDataLst>
   <p:defaultTextStyle>
     <a:defPPr>
@@ -235,7 +233,7 @@
           <a:p>
             <a:fld id="{90932C27-7A12-5D47-865F-0077DE711A5B}" type="datetimeFigureOut">
               <a:rPr lang="en-US" smtClean="0"/>
-              <a:t>10/17/22</a:t>
+              <a:t>11/6/22</a:t>
             </a:fld>
             <a:endParaRPr lang="en-US"/>
           </a:p>
@@ -412,7 +410,7 @@
           <a:p>
             <a:fld id="{0FEDCE38-12D8-824E-8313-E5640C50BE3F}" type="datetimeFigureOut">
               <a:rPr lang="en-US" smtClean="0"/>
-              <a:t>10/17/22</a:t>
+              <a:t>11/6/22</a:t>
             </a:fld>
             <a:endParaRPr lang="en-US"/>
           </a:p>
@@ -2885,506 +2883,6 @@
           <a:p>
             <a:r>
               <a:rPr lang="en-GB" dirty="0"/>
-              <a:t>The </a:t>
-            </a:r>
-            <a:r>
-              <a:rPr lang="en-GB" dirty="0" err="1"/>
-              <a:t>Bioc</a:t>
-            </a:r>
-            <a:r>
-              <a:rPr lang="en-GB" dirty="0"/>
-              <a:t>. developer toolkit</a:t>
-            </a:r>
-            <a:endParaRPr lang="en-US" dirty="0"/>
-          </a:p>
-        </p:txBody>
-      </p:sp>
-      <p:sp>
-        <p:nvSpPr>
-          <p:cNvPr id="3" name="Content Placeholder 2">
-            <a:extLst>
-              <a:ext uri="{FF2B5EF4-FFF2-40B4-BE49-F238E27FC236}">
-                <a16:creationId xmlns:a16="http://schemas.microsoft.com/office/drawing/2014/main" id="{B47959E5-AD78-EF40-8848-508184FD79D3}"/>
-              </a:ext>
-            </a:extLst>
-          </p:cNvPr>
-          <p:cNvSpPr>
-            <a:spLocks noGrp="1"/>
-          </p:cNvSpPr>
-          <p:nvPr>
-            <p:ph idx="1"/>
-          </p:nvPr>
-        </p:nvSpPr>
-        <p:spPr>
-          <a:xfrm>
-            <a:off x="111760" y="863822"/>
-            <a:ext cx="11927840" cy="5517515"/>
-          </a:xfrm>
-        </p:spPr>
-        <p:txBody>
-          <a:bodyPr>
-            <a:normAutofit fontScale="85000" lnSpcReduction="20000"/>
-          </a:bodyPr>
-          <a:lstStyle/>
-          <a:p>
-            <a:r>
-              <a:rPr lang="en-US" dirty="0">
-                <a:solidFill>
-                  <a:srgbClr val="00B0F0"/>
-                </a:solidFill>
-                <a:hlinkClick r:id="rId2"/>
-              </a:rPr>
-              <a:t>https://r-pkgs.org/ </a:t>
-            </a:r>
-          </a:p>
-          <a:p>
-            <a:r>
-              <a:rPr lang="en-US" dirty="0">
-                <a:solidFill>
-                  <a:srgbClr val="00B0F0"/>
-                </a:solidFill>
-                <a:hlinkClick r:id="rId2"/>
-              </a:rPr>
-              <a:t>https://contributions.bioconductor.org/index.html</a:t>
-            </a:r>
-            <a:endParaRPr lang="en-US" dirty="0">
-              <a:solidFill>
-                <a:srgbClr val="00B0F0"/>
-              </a:solidFill>
-            </a:endParaRPr>
-          </a:p>
-          <a:p>
-            <a:r>
-              <a:rPr lang="en-US" dirty="0" err="1"/>
-              <a:t>devtools</a:t>
-            </a:r>
-            <a:endParaRPr lang="en-US" dirty="0"/>
-          </a:p>
-          <a:p>
-            <a:pPr marL="673100" indent="-220663"/>
-            <a:r>
-              <a:rPr lang="en-US" b="1" dirty="0" err="1">
-                <a:solidFill>
-                  <a:srgbClr val="00B050"/>
-                </a:solidFill>
-              </a:rPr>
-              <a:t>usethis</a:t>
-            </a:r>
-            <a:endParaRPr lang="en-US" b="1" dirty="0">
-              <a:solidFill>
-                <a:srgbClr val="00B050"/>
-              </a:solidFill>
-            </a:endParaRPr>
-          </a:p>
-          <a:p>
-            <a:pPr marL="673100" indent="-220663"/>
-            <a:r>
-              <a:rPr lang="en-US" dirty="0"/>
-              <a:t>remotes</a:t>
-            </a:r>
-          </a:p>
-          <a:p>
-            <a:pPr marL="673100" indent="-220663"/>
-            <a:r>
-              <a:rPr lang="en-US" dirty="0" err="1"/>
-              <a:t>testthat</a:t>
-            </a:r>
-            <a:endParaRPr lang="en-US" dirty="0"/>
-          </a:p>
-          <a:p>
-            <a:pPr marL="274638" indent="-222250"/>
-            <a:r>
-              <a:rPr lang="en-US" dirty="0" err="1"/>
-              <a:t>BiocCheck</a:t>
-            </a:r>
-            <a:endParaRPr lang="en-US" dirty="0"/>
-          </a:p>
-          <a:p>
-            <a:pPr marL="274638" indent="-222250"/>
-            <a:r>
-              <a:rPr lang="en-US" dirty="0" err="1"/>
-              <a:t>Biocthis</a:t>
-            </a:r>
-            <a:endParaRPr lang="en-US" dirty="0"/>
-          </a:p>
-          <a:p>
-            <a:pPr marL="274638" indent="-222250"/>
-            <a:r>
-              <a:rPr lang="en-US" dirty="0"/>
-              <a:t>RStudio</a:t>
-            </a:r>
-          </a:p>
-          <a:p>
-            <a:pPr marL="342900" indent="-342900">
-              <a:buFont typeface="Wingdings" pitchFamily="2" charset="2"/>
-              <a:buChar char="Ø"/>
-            </a:pPr>
-            <a:r>
-              <a:rPr lang="en-US" dirty="0"/>
-              <a:t>And many more…: </a:t>
-            </a:r>
-            <a:r>
-              <a:rPr lang="en-US" dirty="0">
-                <a:solidFill>
-                  <a:srgbClr val="00B0F0"/>
-                </a:solidFill>
-                <a:hlinkClick r:id="rId3"/>
-              </a:rPr>
-              <a:t>https://indrajeetpatil.github.io/awesome-r-pkgtools/</a:t>
-            </a:r>
-            <a:endParaRPr lang="en-US" dirty="0">
-              <a:solidFill>
-                <a:srgbClr val="00B0F0"/>
-              </a:solidFill>
-            </a:endParaRPr>
-          </a:p>
-        </p:txBody>
-      </p:sp>
-      <p:sp>
-        <p:nvSpPr>
-          <p:cNvPr id="4" name="TextBox 3">
-            <a:extLst>
-              <a:ext uri="{FF2B5EF4-FFF2-40B4-BE49-F238E27FC236}">
-                <a16:creationId xmlns:a16="http://schemas.microsoft.com/office/drawing/2014/main" id="{5520E296-54FE-9340-8123-450D3C90943A}"/>
-              </a:ext>
-            </a:extLst>
-          </p:cNvPr>
-          <p:cNvSpPr txBox="1"/>
-          <p:nvPr/>
-        </p:nvSpPr>
-        <p:spPr>
-          <a:xfrm>
-            <a:off x="1988288" y="2606379"/>
-            <a:ext cx="5858539" cy="400110"/>
-          </a:xfrm>
-          <a:prstGeom prst="rect">
-            <a:avLst/>
-          </a:prstGeom>
-          <a:noFill/>
-        </p:spPr>
-        <p:txBody>
-          <a:bodyPr wrap="square" rtlCol="0">
-            <a:spAutoFit/>
-          </a:bodyPr>
-          <a:lstStyle/>
-          <a:p>
-            <a:r>
-              <a:rPr lang="en-US" sz="2000" b="1" dirty="0">
-                <a:latin typeface="Avenir Book" panose="02000503020000020003" pitchFamily="2" charset="0"/>
-                <a:sym typeface="Wingdings" pitchFamily="2" charset="2"/>
-              </a:rPr>
-              <a:t> </a:t>
-            </a:r>
-            <a:r>
-              <a:rPr lang="en-US" sz="2000" b="1" dirty="0">
-                <a:latin typeface="Avenir Book" panose="02000503020000020003" pitchFamily="2" charset="0"/>
-              </a:rPr>
-              <a:t>Fastening early package development</a:t>
-            </a:r>
-          </a:p>
-        </p:txBody>
-      </p:sp>
-    </p:spTree>
-    <p:extLst>
-      <p:ext uri="{BB962C8B-B14F-4D97-AF65-F5344CB8AC3E}">
-        <p14:creationId xmlns:p14="http://schemas.microsoft.com/office/powerpoint/2010/main" val="1003325184"/>
-      </p:ext>
-    </p:extLst>
-  </p:cSld>
-  <p:clrMapOvr>
-    <a:masterClrMapping/>
-  </p:clrMapOvr>
-</p:sld>
-</file>
-
-<file path=ppt/slides/slide11.xml><?xml version="1.0" encoding="utf-8"?>
-<p:sld xmlns:a="http://schemas.openxmlformats.org/drawingml/2006/main" xmlns:r="http://schemas.openxmlformats.org/officeDocument/2006/relationships" xmlns:p="http://schemas.openxmlformats.org/presentationml/2006/main">
-  <p:cSld>
-    <p:spTree>
-      <p:nvGrpSpPr>
-        <p:cNvPr id="1" name=""/>
-        <p:cNvGrpSpPr/>
-        <p:nvPr/>
-      </p:nvGrpSpPr>
-      <p:grpSpPr>
-        <a:xfrm>
-          <a:off x="0" y="0"/>
-          <a:ext cx="0" cy="0"/>
-          <a:chOff x="0" y="0"/>
-          <a:chExt cx="0" cy="0"/>
-        </a:xfrm>
-      </p:grpSpPr>
-      <p:sp>
-        <p:nvSpPr>
-          <p:cNvPr id="2" name="Title 1">
-            <a:extLst>
-              <a:ext uri="{FF2B5EF4-FFF2-40B4-BE49-F238E27FC236}">
-                <a16:creationId xmlns:a16="http://schemas.microsoft.com/office/drawing/2014/main" id="{95E03798-1DE5-3F43-AD03-9D487FED406D}"/>
-              </a:ext>
-            </a:extLst>
-          </p:cNvPr>
-          <p:cNvSpPr>
-            <a:spLocks noGrp="1"/>
-          </p:cNvSpPr>
-          <p:nvPr>
-            <p:ph type="title"/>
-          </p:nvPr>
-        </p:nvSpPr>
-        <p:spPr/>
-        <p:txBody>
-          <a:bodyPr/>
-          <a:lstStyle/>
-          <a:p>
-            <a:r>
-              <a:rPr lang="en-GB" dirty="0"/>
-              <a:t>The </a:t>
-            </a:r>
-            <a:r>
-              <a:rPr lang="en-GB" dirty="0" err="1"/>
-              <a:t>Bioc</a:t>
-            </a:r>
-            <a:r>
-              <a:rPr lang="en-GB" dirty="0"/>
-              <a:t>. developer toolkit</a:t>
-            </a:r>
-            <a:endParaRPr lang="en-US" dirty="0"/>
-          </a:p>
-        </p:txBody>
-      </p:sp>
-      <p:sp>
-        <p:nvSpPr>
-          <p:cNvPr id="3" name="Content Placeholder 2">
-            <a:extLst>
-              <a:ext uri="{FF2B5EF4-FFF2-40B4-BE49-F238E27FC236}">
-                <a16:creationId xmlns:a16="http://schemas.microsoft.com/office/drawing/2014/main" id="{B47959E5-AD78-EF40-8848-508184FD79D3}"/>
-              </a:ext>
-            </a:extLst>
-          </p:cNvPr>
-          <p:cNvSpPr>
-            <a:spLocks noGrp="1"/>
-          </p:cNvSpPr>
-          <p:nvPr>
-            <p:ph idx="1"/>
-          </p:nvPr>
-        </p:nvSpPr>
-        <p:spPr>
-          <a:xfrm>
-            <a:off x="111760" y="863822"/>
-            <a:ext cx="11927840" cy="5517515"/>
-          </a:xfrm>
-        </p:spPr>
-        <p:txBody>
-          <a:bodyPr>
-            <a:normAutofit fontScale="85000" lnSpcReduction="20000"/>
-          </a:bodyPr>
-          <a:lstStyle/>
-          <a:p>
-            <a:r>
-              <a:rPr lang="en-US" dirty="0">
-                <a:solidFill>
-                  <a:srgbClr val="00B0F0"/>
-                </a:solidFill>
-                <a:hlinkClick r:id="rId2"/>
-              </a:rPr>
-              <a:t>https://r-pkgs.org/ </a:t>
-            </a:r>
-          </a:p>
-          <a:p>
-            <a:r>
-              <a:rPr lang="en-US" dirty="0">
-                <a:solidFill>
-                  <a:srgbClr val="00B0F0"/>
-                </a:solidFill>
-                <a:hlinkClick r:id="rId2"/>
-              </a:rPr>
-              <a:t>https://contributions.bioconductor.org/index.html</a:t>
-            </a:r>
-            <a:endParaRPr lang="en-US" dirty="0">
-              <a:solidFill>
-                <a:srgbClr val="00B0F0"/>
-              </a:solidFill>
-            </a:endParaRPr>
-          </a:p>
-          <a:p>
-            <a:r>
-              <a:rPr lang="en-US" dirty="0" err="1"/>
-              <a:t>devtools</a:t>
-            </a:r>
-            <a:endParaRPr lang="en-US" dirty="0"/>
-          </a:p>
-          <a:p>
-            <a:pPr marL="673100" indent="-220663"/>
-            <a:r>
-              <a:rPr lang="en-US" dirty="0" err="1"/>
-              <a:t>usethis</a:t>
-            </a:r>
-            <a:endParaRPr lang="en-US" dirty="0"/>
-          </a:p>
-          <a:p>
-            <a:pPr marL="673100" indent="-220663"/>
-            <a:r>
-              <a:rPr lang="en-US" b="1" dirty="0">
-                <a:solidFill>
-                  <a:srgbClr val="00B050"/>
-                </a:solidFill>
-              </a:rPr>
-              <a:t>remotes</a:t>
-            </a:r>
-          </a:p>
-          <a:p>
-            <a:pPr marL="673100" indent="-220663"/>
-            <a:r>
-              <a:rPr lang="en-US" dirty="0" err="1"/>
-              <a:t>testthat</a:t>
-            </a:r>
-            <a:endParaRPr lang="en-US" dirty="0"/>
-          </a:p>
-          <a:p>
-            <a:pPr marL="274638" indent="-222250"/>
-            <a:r>
-              <a:rPr lang="en-US" dirty="0" err="1"/>
-              <a:t>BiocCheck</a:t>
-            </a:r>
-            <a:endParaRPr lang="en-US" dirty="0"/>
-          </a:p>
-          <a:p>
-            <a:pPr marL="274638" indent="-222250"/>
-            <a:r>
-              <a:rPr lang="en-US" dirty="0" err="1"/>
-              <a:t>Biocthis</a:t>
-            </a:r>
-            <a:endParaRPr lang="en-US" dirty="0"/>
-          </a:p>
-          <a:p>
-            <a:pPr marL="274638" indent="-222250"/>
-            <a:r>
-              <a:rPr lang="en-US" dirty="0"/>
-              <a:t>RStudio</a:t>
-            </a:r>
-          </a:p>
-          <a:p>
-            <a:pPr marL="342900" indent="-342900">
-              <a:buFont typeface="Wingdings" pitchFamily="2" charset="2"/>
-              <a:buChar char="Ø"/>
-            </a:pPr>
-            <a:r>
-              <a:rPr lang="en-US" dirty="0"/>
-              <a:t>And many more…: </a:t>
-            </a:r>
-            <a:r>
-              <a:rPr lang="en-US" dirty="0">
-                <a:solidFill>
-                  <a:srgbClr val="00B0F0"/>
-                </a:solidFill>
-                <a:hlinkClick r:id="rId3"/>
-              </a:rPr>
-              <a:t>https://indrajeetpatil.github.io/awesome-r-pkgtools/</a:t>
-            </a:r>
-            <a:endParaRPr lang="en-US" dirty="0">
-              <a:solidFill>
-                <a:srgbClr val="00B0F0"/>
-              </a:solidFill>
-            </a:endParaRPr>
-          </a:p>
-        </p:txBody>
-      </p:sp>
-      <p:sp>
-        <p:nvSpPr>
-          <p:cNvPr id="4" name="TextBox 3">
-            <a:extLst>
-              <a:ext uri="{FF2B5EF4-FFF2-40B4-BE49-F238E27FC236}">
-                <a16:creationId xmlns:a16="http://schemas.microsoft.com/office/drawing/2014/main" id="{5520E296-54FE-9340-8123-450D3C90943A}"/>
-              </a:ext>
-            </a:extLst>
-          </p:cNvPr>
-          <p:cNvSpPr txBox="1"/>
-          <p:nvPr/>
-        </p:nvSpPr>
-        <p:spPr>
-          <a:xfrm>
-            <a:off x="1988289" y="3159272"/>
-            <a:ext cx="4540102" cy="400110"/>
-          </a:xfrm>
-          <a:prstGeom prst="rect">
-            <a:avLst/>
-          </a:prstGeom>
-          <a:noFill/>
-        </p:spPr>
-        <p:txBody>
-          <a:bodyPr wrap="square" rtlCol="0">
-            <a:spAutoFit/>
-          </a:bodyPr>
-          <a:lstStyle/>
-          <a:p>
-            <a:r>
-              <a:rPr lang="en-US" sz="2000" b="1" dirty="0">
-                <a:latin typeface="Avenir Book" panose="02000503020000020003" pitchFamily="2" charset="0"/>
-                <a:sym typeface="Wingdings" pitchFamily="2" charset="2"/>
-              </a:rPr>
-              <a:t> </a:t>
-            </a:r>
-            <a:r>
-              <a:rPr lang="en-US" sz="2000" b="1" dirty="0">
-                <a:latin typeface="Avenir Book" panose="02000503020000020003" pitchFamily="2" charset="0"/>
-              </a:rPr>
-              <a:t>Installing packages from anywhere</a:t>
-            </a:r>
-          </a:p>
-        </p:txBody>
-      </p:sp>
-    </p:spTree>
-    <p:extLst>
-      <p:ext uri="{BB962C8B-B14F-4D97-AF65-F5344CB8AC3E}">
-        <p14:creationId xmlns:p14="http://schemas.microsoft.com/office/powerpoint/2010/main" val="3079146754"/>
-      </p:ext>
-    </p:extLst>
-  </p:cSld>
-  <p:clrMapOvr>
-    <a:masterClrMapping/>
-  </p:clrMapOvr>
-</p:sld>
-</file>
-
-<file path=ppt/slides/slide12.xml><?xml version="1.0" encoding="utf-8"?>
-<p:sld xmlns:a="http://schemas.openxmlformats.org/drawingml/2006/main" xmlns:r="http://schemas.openxmlformats.org/officeDocument/2006/relationships" xmlns:p="http://schemas.openxmlformats.org/presentationml/2006/main">
-  <p:cSld>
-    <p:spTree>
-      <p:nvGrpSpPr>
-        <p:cNvPr id="1" name=""/>
-        <p:cNvGrpSpPr/>
-        <p:nvPr/>
-      </p:nvGrpSpPr>
-      <p:grpSpPr>
-        <a:xfrm>
-          <a:off x="0" y="0"/>
-          <a:ext cx="0" cy="0"/>
-          <a:chOff x="0" y="0"/>
-          <a:chExt cx="0" cy="0"/>
-        </a:xfrm>
-      </p:grpSpPr>
-      <p:sp>
-        <p:nvSpPr>
-          <p:cNvPr id="2" name="Title 1">
-            <a:extLst>
-              <a:ext uri="{FF2B5EF4-FFF2-40B4-BE49-F238E27FC236}">
-                <a16:creationId xmlns:a16="http://schemas.microsoft.com/office/drawing/2014/main" id="{95E03798-1DE5-3F43-AD03-9D487FED406D}"/>
-              </a:ext>
-            </a:extLst>
-          </p:cNvPr>
-          <p:cNvSpPr>
-            <a:spLocks noGrp="1"/>
-          </p:cNvSpPr>
-          <p:nvPr>
-            <p:ph type="title"/>
-          </p:nvPr>
-        </p:nvSpPr>
-        <p:spPr/>
-        <p:txBody>
-          <a:bodyPr/>
-          <a:lstStyle/>
-          <a:p>
-            <a:r>
-              <a:rPr lang="en-GB" dirty="0"/>
               <a:t>Some useful functions </a:t>
             </a:r>
             <a:endParaRPr lang="en-US" dirty="0"/>
@@ -5396,7 +4894,7 @@
 </p:sld>
 </file>
 
-<file path=ppt/slides/slide13.xml><?xml version="1.0" encoding="utf-8"?>
+<file path=ppt/slides/slide11.xml><?xml version="1.0" encoding="utf-8"?>
 <p:sld xmlns:a="http://schemas.openxmlformats.org/drawingml/2006/main" xmlns:r="http://schemas.openxmlformats.org/officeDocument/2006/relationships" xmlns:p="http://schemas.openxmlformats.org/presentationml/2006/main">
   <p:cSld>
     <p:spTree>
@@ -5667,7 +5165,7 @@
 </p:sld>
 </file>
 
-<file path=ppt/slides/slide14.xml><?xml version="1.0" encoding="utf-8"?>
+<file path=ppt/slides/slide12.xml><?xml version="1.0" encoding="utf-8"?>
 <p:sld xmlns:a="http://schemas.openxmlformats.org/drawingml/2006/main" xmlns:r="http://schemas.openxmlformats.org/officeDocument/2006/relationships" xmlns:p="http://schemas.openxmlformats.org/presentationml/2006/main">
   <p:cSld>
     <p:spTree>
@@ -5939,7 +5437,7 @@
 </p:sld>
 </file>
 
-<file path=ppt/slides/slide15.xml><?xml version="1.0" encoding="utf-8"?>
+<file path=ppt/slides/slide13.xml><?xml version="1.0" encoding="utf-8"?>
 <p:sld xmlns:a="http://schemas.openxmlformats.org/drawingml/2006/main" xmlns:r="http://schemas.openxmlformats.org/officeDocument/2006/relationships" xmlns:p="http://schemas.openxmlformats.org/presentationml/2006/main">
   <p:cSld>
     <p:spTree>
@@ -8949,7 +8447,7 @@
 </p:sld>
 </file>
 
-<file path=ppt/slides/slide16.xml><?xml version="1.0" encoding="utf-8"?>
+<file path=ppt/slides/slide14.xml><?xml version="1.0" encoding="utf-8"?>
 <p:sld xmlns:a="http://schemas.openxmlformats.org/drawingml/2006/main" xmlns:r="http://schemas.openxmlformats.org/officeDocument/2006/relationships" xmlns:p="http://schemas.openxmlformats.org/presentationml/2006/main">
   <p:cSld>
     <p:spTree>
@@ -9282,7 +8780,7 @@
 </p:sld>
 </file>
 
-<file path=ppt/slides/slide17.xml><?xml version="1.0" encoding="utf-8"?>
+<file path=ppt/slides/slide15.xml><?xml version="1.0" encoding="utf-8"?>
 <p:sld xmlns:a="http://schemas.openxmlformats.org/drawingml/2006/main" xmlns:r="http://schemas.openxmlformats.org/officeDocument/2006/relationships" xmlns:p="http://schemas.openxmlformats.org/presentationml/2006/main">
   <p:cSld>
     <p:spTree>
@@ -9553,7 +9051,7 @@
 </p:sld>
 </file>
 
-<file path=ppt/slides/slide18.xml><?xml version="1.0" encoding="utf-8"?>
+<file path=ppt/slides/slide16.xml><?xml version="1.0" encoding="utf-8"?>
 <p:sld xmlns:a="http://schemas.openxmlformats.org/drawingml/2006/main" xmlns:r="http://schemas.openxmlformats.org/officeDocument/2006/relationships" xmlns:p="http://schemas.openxmlformats.org/presentationml/2006/main">
   <p:cSld>
     <p:spTree>
@@ -10348,8 +9846,8 @@
         </p:nvSpPr>
         <p:spPr>
           <a:xfrm rot="20487376">
-            <a:off x="1168707" y="1884437"/>
-            <a:ext cx="8741496" cy="3046988"/>
+            <a:off x="574795" y="1884437"/>
+            <a:ext cx="9929321" cy="3046988"/>
           </a:xfrm>
           <a:prstGeom prst="rect">
             <a:avLst/>
@@ -10383,7 +9881,7 @@
               <a:rPr lang="en-US" sz="9600" b="1" dirty="0">
                 <a:latin typeface="Avenir Book" panose="02000503020000020003" pitchFamily="2" charset="0"/>
               </a:rPr>
-              <a:t>BIOC VERSION</a:t>
+              <a:t>R/BIOC VERSION</a:t>
             </a:r>
           </a:p>
         </p:txBody>
@@ -10861,22 +10359,13 @@
               <a:t>, </a:t>
             </a:r>
             <a:r>
-              <a:rPr lang="en-GB" b="0" i="0" u="sng" dirty="0" err="1">
+              <a:rPr lang="en-GB" b="0" i="0" u="sng" dirty="0">
                 <a:solidFill>
                   <a:srgbClr val="373A3C"/>
                 </a:solidFill>
                 <a:effectLst/>
               </a:rPr>
-              <a:t>useRs</a:t>
-            </a:r>
-            <a:r>
-              <a:rPr lang="en-GB" b="0" i="0" u="sng" dirty="0">
-                <a:solidFill>
-                  <a:srgbClr val="373A3C"/>
-                </a:solidFill>
-                <a:effectLst/>
-              </a:rPr>
-              <a:t> should attach </a:t>
+              <a:t>users should attach </a:t>
             </a:r>
             <a:r>
               <a:rPr lang="en-GB" b="0" i="0" u="sng" dirty="0" err="1">
@@ -11257,22 +10746,13 @@
               <a:t>, </a:t>
             </a:r>
             <a:r>
-              <a:rPr lang="en-GB" b="0" i="0" u="sng" dirty="0" err="1">
+              <a:rPr lang="en-GB" b="0" i="0" u="sng" dirty="0">
                 <a:solidFill>
                   <a:srgbClr val="373A3C"/>
                 </a:solidFill>
                 <a:effectLst/>
               </a:rPr>
-              <a:t>useRs</a:t>
-            </a:r>
-            <a:r>
-              <a:rPr lang="en-GB" b="0" i="0" u="sng" dirty="0">
-                <a:solidFill>
-                  <a:srgbClr val="373A3C"/>
-                </a:solidFill>
-                <a:effectLst/>
-              </a:rPr>
-              <a:t> should attach </a:t>
+              <a:t>users should attach </a:t>
             </a:r>
             <a:r>
               <a:rPr lang="en-GB" b="0" i="0" u="sng" dirty="0" err="1">
@@ -11338,13 +10818,13 @@
               <a:t>For programmatic use, such as inside another package, </a:t>
             </a:r>
             <a:r>
-              <a:rPr lang="en-GB" i="0" u="sng" dirty="0" err="1">
+              <a:rPr lang="en-GB" b="0" i="0" u="sng" dirty="0">
                 <a:solidFill>
                   <a:srgbClr val="373A3C"/>
                 </a:solidFill>
                 <a:effectLst/>
               </a:rPr>
-              <a:t>developeRs</a:t>
+              <a:t>developers</a:t>
             </a:r>
             <a:r>
               <a:rPr lang="en-GB" i="0" u="sng" dirty="0">
@@ -11809,658 +11289,6 @@
               <a:effectLst/>
             </a:endParaRPr>
           </a:p>
-          <a:p>
-            <a:pPr algn="l">
-              <a:buFont typeface="Arial" panose="020B0604020202020204" pitchFamily="34" charset="0"/>
-              <a:buChar char="•"/>
-            </a:pPr>
-            <a:r>
-              <a:rPr lang="en-GB" b="0" i="0" dirty="0">
-                <a:solidFill>
-                  <a:srgbClr val="373A3C"/>
-                </a:solidFill>
-                <a:effectLst/>
-              </a:rPr>
-              <a:t>For </a:t>
-            </a:r>
-            <a:r>
-              <a:rPr lang="en-GB" b="1" i="0" u="sng" dirty="0">
-                <a:solidFill>
-                  <a:srgbClr val="373A3C"/>
-                </a:solidFill>
-                <a:effectLst/>
-              </a:rPr>
-              <a:t>interactive use</a:t>
-            </a:r>
-            <a:r>
-              <a:rPr lang="en-GB" b="0" i="0" dirty="0">
-                <a:solidFill>
-                  <a:srgbClr val="373A3C"/>
-                </a:solidFill>
-                <a:effectLst/>
-              </a:rPr>
-              <a:t>, </a:t>
-            </a:r>
-            <a:r>
-              <a:rPr lang="en-GB" b="0" i="0" u="sng" dirty="0" err="1">
-                <a:solidFill>
-                  <a:srgbClr val="373A3C"/>
-                </a:solidFill>
-                <a:effectLst/>
-              </a:rPr>
-              <a:t>useRs</a:t>
-            </a:r>
-            <a:r>
-              <a:rPr lang="en-GB" b="0" i="0" u="sng" dirty="0">
-                <a:solidFill>
-                  <a:srgbClr val="373A3C"/>
-                </a:solidFill>
-                <a:effectLst/>
-              </a:rPr>
-              <a:t> should attach </a:t>
-            </a:r>
-            <a:r>
-              <a:rPr lang="en-GB" b="0" i="0" u="sng" dirty="0" err="1">
-                <a:solidFill>
-                  <a:srgbClr val="373A3C"/>
-                </a:solidFill>
-                <a:effectLst/>
-              </a:rPr>
-              <a:t>devtools</a:t>
-            </a:r>
-            <a:r>
-              <a:rPr lang="en-GB" b="0" i="0" dirty="0">
-                <a:solidFill>
-                  <a:srgbClr val="373A3C"/>
-                </a:solidFill>
-                <a:effectLst/>
-              </a:rPr>
-              <a:t> and think of it as the provider of your </a:t>
-            </a:r>
-            <a:r>
-              <a:rPr lang="en-GB" b="0" i="0" dirty="0" err="1">
-                <a:solidFill>
-                  <a:srgbClr val="373A3C"/>
-                </a:solidFill>
-                <a:effectLst/>
-              </a:rPr>
-              <a:t>favorite</a:t>
-            </a:r>
-            <a:r>
-              <a:rPr lang="en-GB" b="0" i="0" dirty="0">
-                <a:solidFill>
-                  <a:srgbClr val="373A3C"/>
-                </a:solidFill>
-                <a:effectLst/>
-              </a:rPr>
-              <a:t> functions for package development.</a:t>
-            </a:r>
-          </a:p>
-          <a:p>
-            <a:pPr algn="l">
-              <a:buFont typeface="Arial" panose="020B0604020202020204" pitchFamily="34" charset="0"/>
-              <a:buChar char="•"/>
-            </a:pPr>
-            <a:endParaRPr lang="en-GB" b="0" i="0" dirty="0">
-              <a:solidFill>
-                <a:srgbClr val="373A3C"/>
-              </a:solidFill>
-              <a:effectLst/>
-            </a:endParaRPr>
-          </a:p>
-          <a:p>
-            <a:pPr algn="l">
-              <a:buFont typeface="Arial" panose="020B0604020202020204" pitchFamily="34" charset="0"/>
-              <a:buChar char="•"/>
-            </a:pPr>
-            <a:r>
-              <a:rPr lang="en-GB" b="0" i="0" dirty="0">
-                <a:solidFill>
-                  <a:srgbClr val="373A3C"/>
-                </a:solidFill>
-                <a:effectLst/>
-              </a:rPr>
-              <a:t>For programmatic use, such as inside another package, </a:t>
-            </a:r>
-            <a:r>
-              <a:rPr lang="en-GB" i="0" u="sng" dirty="0" err="1">
-                <a:solidFill>
-                  <a:srgbClr val="373A3C"/>
-                </a:solidFill>
-                <a:effectLst/>
-              </a:rPr>
-              <a:t>developeRs</a:t>
-            </a:r>
-            <a:r>
-              <a:rPr lang="en-GB" i="0" u="sng" dirty="0">
-                <a:solidFill>
-                  <a:srgbClr val="373A3C"/>
-                </a:solidFill>
-                <a:effectLst/>
-              </a:rPr>
-              <a:t> should </a:t>
-            </a:r>
-            <a:r>
-              <a:rPr lang="en-GB" b="1" i="0" u="sng" dirty="0">
-                <a:solidFill>
-                  <a:srgbClr val="373A3C"/>
-                </a:solidFill>
-                <a:effectLst/>
-              </a:rPr>
-              <a:t>NOT</a:t>
-            </a:r>
-            <a:r>
-              <a:rPr lang="en-GB" i="0" u="sng" dirty="0">
-                <a:solidFill>
-                  <a:srgbClr val="373A3C"/>
-                </a:solidFill>
-                <a:effectLst/>
-              </a:rPr>
-              <a:t> depend </a:t>
-            </a:r>
-            <a:r>
-              <a:rPr lang="en-GB" b="0" i="0" dirty="0">
-                <a:solidFill>
-                  <a:srgbClr val="373A3C"/>
-                </a:solidFill>
-                <a:effectLst/>
-              </a:rPr>
-              <a:t>on </a:t>
-            </a:r>
-            <a:r>
-              <a:rPr lang="en-GB" b="0" i="0" dirty="0" err="1">
-                <a:solidFill>
-                  <a:srgbClr val="373A3C"/>
-                </a:solidFill>
-                <a:effectLst/>
-              </a:rPr>
-              <a:t>devtools</a:t>
-            </a:r>
-            <a:r>
-              <a:rPr lang="en-GB" b="0" i="0" dirty="0">
-                <a:solidFill>
-                  <a:srgbClr val="373A3C"/>
-                </a:solidFill>
-                <a:effectLst/>
-              </a:rPr>
-              <a:t>, but should instead access functions via the package that is their primary home.</a:t>
-            </a:r>
-          </a:p>
-          <a:p>
-            <a:pPr algn="l">
-              <a:buFont typeface="Arial" panose="020B0604020202020204" pitchFamily="34" charset="0"/>
-              <a:buChar char="•"/>
-            </a:pPr>
-            <a:endParaRPr lang="en-US" dirty="0">
-              <a:solidFill>
-                <a:srgbClr val="1A1917"/>
-              </a:solidFill>
-            </a:endParaRPr>
-          </a:p>
-          <a:p>
-            <a:pPr algn="r">
-              <a:lnSpc>
-                <a:spcPct val="100000"/>
-              </a:lnSpc>
-            </a:pPr>
-            <a:r>
-              <a:rPr lang="en-US" dirty="0">
-                <a:solidFill>
-                  <a:schemeClr val="tx1">
-                    <a:lumMod val="65000"/>
-                    <a:lumOff val="35000"/>
-                  </a:schemeClr>
-                </a:solidFill>
-              </a:rPr>
-              <a:t>  “One Ring to rule them all”</a:t>
-            </a:r>
-          </a:p>
-          <a:p>
-            <a:pPr algn="r">
-              <a:lnSpc>
-                <a:spcPct val="100000"/>
-              </a:lnSpc>
-            </a:pPr>
-            <a:r>
-              <a:rPr lang="en-US" dirty="0">
-                <a:solidFill>
-                  <a:schemeClr val="tx1">
-                    <a:lumMod val="65000"/>
-                    <a:lumOff val="35000"/>
-                  </a:schemeClr>
-                </a:solidFill>
-              </a:rPr>
-              <a:t>– </a:t>
-            </a:r>
-            <a:r>
-              <a:rPr lang="en-US" b="0" i="0" dirty="0">
-                <a:solidFill>
-                  <a:schemeClr val="tx1">
-                    <a:lumMod val="65000"/>
-                    <a:lumOff val="35000"/>
-                  </a:schemeClr>
-                </a:solidFill>
-                <a:effectLst/>
-              </a:rPr>
-              <a:t>Th</a:t>
-            </a:r>
-            <a:r>
-              <a:rPr lang="en-US" dirty="0">
-                <a:solidFill>
-                  <a:schemeClr val="tx1">
-                    <a:lumMod val="65000"/>
-                    <a:lumOff val="35000"/>
-                  </a:schemeClr>
-                </a:solidFill>
-              </a:rPr>
-              <a:t>e Free People</a:t>
-            </a:r>
-            <a:endParaRPr lang="en-GB" b="0" i="0" dirty="0">
-              <a:solidFill>
-                <a:srgbClr val="373A3C"/>
-              </a:solidFill>
-              <a:effectLst/>
-            </a:endParaRPr>
-          </a:p>
-        </p:txBody>
-      </p:sp>
-      <p:sp>
-        <p:nvSpPr>
-          <p:cNvPr id="4" name="Rounded Rectangle 3">
-            <a:extLst>
-              <a:ext uri="{FF2B5EF4-FFF2-40B4-BE49-F238E27FC236}">
-                <a16:creationId xmlns:a16="http://schemas.microsoft.com/office/drawing/2014/main" id="{789FC64D-87A6-9E4D-85C2-3999220DB7C3}"/>
-              </a:ext>
-            </a:extLst>
-          </p:cNvPr>
-          <p:cNvSpPr/>
-          <p:nvPr/>
-        </p:nvSpPr>
-        <p:spPr>
-          <a:xfrm>
-            <a:off x="524107" y="3010829"/>
-            <a:ext cx="5999356" cy="836341"/>
-          </a:xfrm>
-          <a:prstGeom prst="roundRect">
-            <a:avLst/>
-          </a:prstGeom>
-          <a:solidFill>
-            <a:srgbClr val="F1F3F5"/>
-          </a:solidFill>
-          <a:ln>
-            <a:noFill/>
-          </a:ln>
-        </p:spPr>
-        <p:style>
-          <a:lnRef idx="2">
-            <a:schemeClr val="accent1">
-              <a:shade val="50000"/>
-            </a:schemeClr>
-          </a:lnRef>
-          <a:fillRef idx="1">
-            <a:schemeClr val="accent1"/>
-          </a:fillRef>
-          <a:effectRef idx="0">
-            <a:schemeClr val="accent1"/>
-          </a:effectRef>
-          <a:fontRef idx="minor">
-            <a:schemeClr val="lt1"/>
-          </a:fontRef>
-        </p:style>
-        <p:txBody>
-          <a:bodyPr rtlCol="0" anchor="ctr"/>
-          <a:lstStyle/>
-          <a:p>
-            <a:r>
-              <a:rPr lang="en-GB" sz="1200" b="1" dirty="0">
-                <a:solidFill>
-                  <a:srgbClr val="003B4F"/>
-                </a:solidFill>
-                <a:effectLst/>
-                <a:latin typeface="Menlo" panose="020B0609030804020204" pitchFamily="49" charset="0"/>
-                <a:ea typeface="Menlo" panose="020B0609030804020204" pitchFamily="49" charset="0"/>
-                <a:cs typeface="Menlo" panose="020B0609030804020204" pitchFamily="49" charset="0"/>
-                <a:hlinkClick r:id="rId2"/>
-              </a:rPr>
-              <a:t>library</a:t>
-            </a:r>
-            <a:r>
-              <a:rPr lang="en-GB" sz="1200" dirty="0">
-                <a:solidFill>
-                  <a:srgbClr val="5E5E5E"/>
-                </a:solidFill>
-                <a:effectLst/>
-                <a:latin typeface="Menlo" panose="020B0609030804020204" pitchFamily="49" charset="0"/>
-                <a:ea typeface="Menlo" panose="020B0609030804020204" pitchFamily="49" charset="0"/>
-                <a:cs typeface="Menlo" panose="020B0609030804020204" pitchFamily="49" charset="0"/>
-              </a:rPr>
-              <a:t>(</a:t>
-            </a:r>
-            <a:r>
-              <a:rPr lang="en-GB" sz="1200" dirty="0">
-                <a:solidFill>
-                  <a:srgbClr val="111111"/>
-                </a:solidFill>
-                <a:effectLst/>
-                <a:latin typeface="Menlo" panose="020B0609030804020204" pitchFamily="49" charset="0"/>
-                <a:ea typeface="Menlo" panose="020B0609030804020204" pitchFamily="49" charset="0"/>
-                <a:cs typeface="Menlo" panose="020B0609030804020204" pitchFamily="49" charset="0"/>
-                <a:hlinkClick r:id="rId3"/>
-              </a:rPr>
-              <a:t>devtools</a:t>
-            </a:r>
-            <a:r>
-              <a:rPr lang="en-GB" sz="1200" dirty="0">
-                <a:solidFill>
-                  <a:srgbClr val="5E5E5E"/>
-                </a:solidFill>
-                <a:effectLst/>
-                <a:latin typeface="Menlo" panose="020B0609030804020204" pitchFamily="49" charset="0"/>
-                <a:ea typeface="Menlo" panose="020B0609030804020204" pitchFamily="49" charset="0"/>
-                <a:cs typeface="Menlo" panose="020B0609030804020204" pitchFamily="49" charset="0"/>
-              </a:rPr>
-              <a:t>)</a:t>
-            </a:r>
-          </a:p>
-          <a:p>
-            <a:r>
-              <a:rPr lang="en-GB" sz="1200" dirty="0">
-                <a:solidFill>
-                  <a:srgbClr val="5E5E5E"/>
-                </a:solidFill>
-                <a:effectLst/>
-                <a:latin typeface="Menlo" panose="020B0609030804020204" pitchFamily="49" charset="0"/>
-                <a:ea typeface="Menlo" panose="020B0609030804020204" pitchFamily="49" charset="0"/>
-                <a:cs typeface="Menlo" panose="020B0609030804020204" pitchFamily="49" charset="0"/>
-              </a:rPr>
-              <a:t>#Loading required package: </a:t>
-            </a:r>
-            <a:r>
-              <a:rPr lang="en-GB" sz="1200" dirty="0" err="1">
-                <a:solidFill>
-                  <a:srgbClr val="5E5E5E"/>
-                </a:solidFill>
-                <a:effectLst/>
-                <a:latin typeface="Menlo" panose="020B0609030804020204" pitchFamily="49" charset="0"/>
-                <a:ea typeface="Menlo" panose="020B0609030804020204" pitchFamily="49" charset="0"/>
-                <a:cs typeface="Menlo" panose="020B0609030804020204" pitchFamily="49" charset="0"/>
-              </a:rPr>
-              <a:t>usethis</a:t>
-            </a:r>
-            <a:endParaRPr lang="en-GB" sz="1200" dirty="0">
-              <a:solidFill>
-                <a:srgbClr val="5E5E5E"/>
-              </a:solidFill>
-              <a:effectLst/>
-              <a:latin typeface="Menlo" panose="020B0609030804020204" pitchFamily="49" charset="0"/>
-              <a:ea typeface="Menlo" panose="020B0609030804020204" pitchFamily="49" charset="0"/>
-              <a:cs typeface="Menlo" panose="020B0609030804020204" pitchFamily="49" charset="0"/>
-            </a:endParaRPr>
-          </a:p>
-          <a:p>
-            <a:r>
-              <a:rPr lang="en-GB" sz="1200" dirty="0">
-                <a:solidFill>
-                  <a:srgbClr val="4758AB"/>
-                </a:solidFill>
-                <a:effectLst/>
-                <a:latin typeface="Menlo" panose="020B0609030804020204" pitchFamily="49" charset="0"/>
-                <a:ea typeface="Menlo" panose="020B0609030804020204" pitchFamily="49" charset="0"/>
-                <a:cs typeface="Menlo" panose="020B0609030804020204" pitchFamily="49" charset="0"/>
-                <a:hlinkClick r:id="rId4"/>
-              </a:rPr>
-              <a:t>load_all</a:t>
-            </a:r>
-            <a:r>
-              <a:rPr lang="en-GB" sz="1200" dirty="0">
-                <a:solidFill>
-                  <a:srgbClr val="5E5E5E"/>
-                </a:solidFill>
-                <a:effectLst/>
-                <a:latin typeface="Menlo" panose="020B0609030804020204" pitchFamily="49" charset="0"/>
-                <a:ea typeface="Menlo" panose="020B0609030804020204" pitchFamily="49" charset="0"/>
-                <a:cs typeface="Menlo" panose="020B0609030804020204" pitchFamily="49" charset="0"/>
-              </a:rPr>
-              <a:t>()</a:t>
-            </a:r>
-            <a:endParaRPr lang="en-US" sz="1200" dirty="0">
-              <a:latin typeface="Menlo" panose="020B0609030804020204" pitchFamily="49" charset="0"/>
-              <a:ea typeface="Menlo" panose="020B0609030804020204" pitchFamily="49" charset="0"/>
-              <a:cs typeface="Menlo" panose="020B0609030804020204" pitchFamily="49" charset="0"/>
-            </a:endParaRPr>
-          </a:p>
-        </p:txBody>
-      </p:sp>
-      <p:sp>
-        <p:nvSpPr>
-          <p:cNvPr id="5" name="Rounded Rectangle 4">
-            <a:extLst>
-              <a:ext uri="{FF2B5EF4-FFF2-40B4-BE49-F238E27FC236}">
-                <a16:creationId xmlns:a16="http://schemas.microsoft.com/office/drawing/2014/main" id="{5F4F2C9C-5BE9-F94F-B4EF-3DF44EE02667}"/>
-              </a:ext>
-            </a:extLst>
-          </p:cNvPr>
-          <p:cNvSpPr/>
-          <p:nvPr/>
-        </p:nvSpPr>
-        <p:spPr>
-          <a:xfrm>
-            <a:off x="524107" y="4951142"/>
-            <a:ext cx="5999356" cy="635619"/>
-          </a:xfrm>
-          <a:prstGeom prst="roundRect">
-            <a:avLst/>
-          </a:prstGeom>
-          <a:solidFill>
-            <a:srgbClr val="F1F3F5"/>
-          </a:solidFill>
-          <a:ln>
-            <a:noFill/>
-          </a:ln>
-        </p:spPr>
-        <p:style>
-          <a:lnRef idx="2">
-            <a:schemeClr val="accent1">
-              <a:shade val="50000"/>
-            </a:schemeClr>
-          </a:lnRef>
-          <a:fillRef idx="1">
-            <a:schemeClr val="accent1"/>
-          </a:fillRef>
-          <a:effectRef idx="0">
-            <a:schemeClr val="accent1"/>
-          </a:effectRef>
-          <a:fontRef idx="minor">
-            <a:schemeClr val="lt1"/>
-          </a:fontRef>
-        </p:style>
-        <p:txBody>
-          <a:bodyPr rtlCol="0" anchor="ctr"/>
-          <a:lstStyle/>
-          <a:p>
-            <a:r>
-              <a:rPr lang="en-GB" sz="1200" dirty="0" err="1">
-                <a:solidFill>
-                  <a:srgbClr val="4758AB"/>
-                </a:solidFill>
-                <a:effectLst/>
-                <a:latin typeface="Menlo" panose="020B0609030804020204" pitchFamily="49" charset="0"/>
-                <a:ea typeface="Menlo" panose="020B0609030804020204" pitchFamily="49" charset="0"/>
-                <a:cs typeface="Menlo" panose="020B0609030804020204" pitchFamily="49" charset="0"/>
-              </a:rPr>
-              <a:t>pkgload</a:t>
-            </a:r>
-            <a:r>
-              <a:rPr lang="en-GB" sz="1200" dirty="0">
-                <a:solidFill>
-                  <a:srgbClr val="4758AB"/>
-                </a:solidFill>
-                <a:effectLst/>
-                <a:latin typeface="Menlo" panose="020B0609030804020204" pitchFamily="49" charset="0"/>
-                <a:ea typeface="Menlo" panose="020B0609030804020204" pitchFamily="49" charset="0"/>
-                <a:cs typeface="Menlo" panose="020B0609030804020204" pitchFamily="49" charset="0"/>
-              </a:rPr>
-              <a:t>::</a:t>
-            </a:r>
-            <a:r>
-              <a:rPr lang="en-GB" sz="1200" dirty="0">
-                <a:solidFill>
-                  <a:srgbClr val="4758AB"/>
-                </a:solidFill>
-                <a:effectLst/>
-                <a:latin typeface="Menlo" panose="020B0609030804020204" pitchFamily="49" charset="0"/>
-                <a:ea typeface="Menlo" panose="020B0609030804020204" pitchFamily="49" charset="0"/>
-                <a:cs typeface="Menlo" panose="020B0609030804020204" pitchFamily="49" charset="0"/>
-                <a:hlinkClick r:id="rId5"/>
-              </a:rPr>
-              <a:t>load_all</a:t>
-            </a:r>
-            <a:r>
-              <a:rPr lang="en-GB" sz="1200" dirty="0">
-                <a:solidFill>
-                  <a:srgbClr val="5E5E5E"/>
-                </a:solidFill>
-                <a:effectLst/>
-                <a:latin typeface="Menlo" panose="020B0609030804020204" pitchFamily="49" charset="0"/>
-                <a:ea typeface="Menlo" panose="020B0609030804020204" pitchFamily="49" charset="0"/>
-                <a:cs typeface="Menlo" panose="020B0609030804020204" pitchFamily="49" charset="0"/>
-              </a:rPr>
-              <a:t>()</a:t>
-            </a:r>
-            <a:endParaRPr lang="en-US" sz="1200" dirty="0">
-              <a:latin typeface="Menlo" panose="020B0609030804020204" pitchFamily="49" charset="0"/>
-              <a:ea typeface="Menlo" panose="020B0609030804020204" pitchFamily="49" charset="0"/>
-              <a:cs typeface="Menlo" panose="020B0609030804020204" pitchFamily="49" charset="0"/>
-            </a:endParaRPr>
-          </a:p>
-        </p:txBody>
-      </p:sp>
-    </p:spTree>
-    <p:extLst>
-      <p:ext uri="{BB962C8B-B14F-4D97-AF65-F5344CB8AC3E}">
-        <p14:creationId xmlns:p14="http://schemas.microsoft.com/office/powerpoint/2010/main" val="324875860"/>
-      </p:ext>
-    </p:extLst>
-  </p:cSld>
-  <p:clrMapOvr>
-    <a:masterClrMapping/>
-  </p:clrMapOvr>
-</p:sld>
-</file>
-
-<file path=ppt/slides/slide8.xml><?xml version="1.0" encoding="utf-8"?>
-<p:sld xmlns:a="http://schemas.openxmlformats.org/drawingml/2006/main" xmlns:r="http://schemas.openxmlformats.org/officeDocument/2006/relationships" xmlns:p="http://schemas.openxmlformats.org/presentationml/2006/main">
-  <p:cSld>
-    <p:spTree>
-      <p:nvGrpSpPr>
-        <p:cNvPr id="1" name=""/>
-        <p:cNvGrpSpPr/>
-        <p:nvPr/>
-      </p:nvGrpSpPr>
-      <p:grpSpPr>
-        <a:xfrm>
-          <a:off x="0" y="0"/>
-          <a:ext cx="0" cy="0"/>
-          <a:chOff x="0" y="0"/>
-          <a:chExt cx="0" cy="0"/>
-        </a:xfrm>
-      </p:grpSpPr>
-      <p:sp>
-        <p:nvSpPr>
-          <p:cNvPr id="2" name="Title 1">
-            <a:extLst>
-              <a:ext uri="{FF2B5EF4-FFF2-40B4-BE49-F238E27FC236}">
-                <a16:creationId xmlns:a16="http://schemas.microsoft.com/office/drawing/2014/main" id="{95E03798-1DE5-3F43-AD03-9D487FED406D}"/>
-              </a:ext>
-            </a:extLst>
-          </p:cNvPr>
-          <p:cNvSpPr>
-            <a:spLocks noGrp="1"/>
-          </p:cNvSpPr>
-          <p:nvPr>
-            <p:ph type="title"/>
-          </p:nvPr>
-        </p:nvSpPr>
-        <p:spPr/>
-        <p:txBody>
-          <a:bodyPr/>
-          <a:lstStyle/>
-          <a:p>
-            <a:r>
-              <a:rPr lang="en-GB" dirty="0" err="1"/>
-              <a:t>Devtools</a:t>
-            </a:r>
-            <a:r>
-              <a:rPr lang="en-GB" dirty="0"/>
-              <a:t> and co</a:t>
-            </a:r>
-            <a:endParaRPr lang="en-US" dirty="0"/>
-          </a:p>
-        </p:txBody>
-      </p:sp>
-      <p:sp>
-        <p:nvSpPr>
-          <p:cNvPr id="3" name="Content Placeholder 2">
-            <a:extLst>
-              <a:ext uri="{FF2B5EF4-FFF2-40B4-BE49-F238E27FC236}">
-                <a16:creationId xmlns:a16="http://schemas.microsoft.com/office/drawing/2014/main" id="{B47959E5-AD78-EF40-8848-508184FD79D3}"/>
-              </a:ext>
-            </a:extLst>
-          </p:cNvPr>
-          <p:cNvSpPr>
-            <a:spLocks noGrp="1"/>
-          </p:cNvSpPr>
-          <p:nvPr>
-            <p:ph idx="1"/>
-          </p:nvPr>
-        </p:nvSpPr>
-        <p:spPr>
-          <a:xfrm>
-            <a:off x="111760" y="873761"/>
-            <a:ext cx="11927840" cy="6363380"/>
-          </a:xfrm>
-        </p:spPr>
-        <p:txBody>
-          <a:bodyPr>
-            <a:normAutofit/>
-          </a:bodyPr>
-          <a:lstStyle/>
-          <a:p>
-            <a:pPr marL="0" indent="0"/>
-            <a:r>
-              <a:rPr lang="en-GB" b="0" i="0" dirty="0" err="1">
-                <a:solidFill>
-                  <a:srgbClr val="1A1917"/>
-                </a:solidFill>
-                <a:effectLst/>
-              </a:rPr>
-              <a:t>devtools</a:t>
-            </a:r>
-            <a:r>
-              <a:rPr lang="en-GB" b="0" i="0" dirty="0">
-                <a:solidFill>
-                  <a:srgbClr val="1A1917"/>
-                </a:solidFill>
-                <a:effectLst/>
-              </a:rPr>
-              <a:t> makes package development easier by providing R functions that simplify and expedite common tasks</a:t>
-            </a:r>
-            <a:r>
-              <a:rPr lang="en-US" b="0" i="0" dirty="0">
-                <a:solidFill>
-                  <a:srgbClr val="1A1917"/>
-                </a:solidFill>
-                <a:effectLst/>
-              </a:rPr>
-              <a:t>. </a:t>
-            </a:r>
-            <a:endParaRPr lang="en-GB" b="0" i="0" dirty="0">
-              <a:solidFill>
-                <a:srgbClr val="373A3C"/>
-              </a:solidFill>
-              <a:effectLst/>
-            </a:endParaRPr>
-          </a:p>
         </p:txBody>
       </p:sp>
       <p:sp>
@@ -14970,10 +13798,356 @@
           </a:p>
         </p:txBody>
       </p:sp>
+      <p:sp>
+        <p:nvSpPr>
+          <p:cNvPr id="8" name="TextBox 7">
+            <a:extLst>
+              <a:ext uri="{FF2B5EF4-FFF2-40B4-BE49-F238E27FC236}">
+                <a16:creationId xmlns:a16="http://schemas.microsoft.com/office/drawing/2014/main" id="{D68F6C50-2191-405B-7012-8D31CFE7FA17}"/>
+              </a:ext>
+            </a:extLst>
+          </p:cNvPr>
+          <p:cNvSpPr txBox="1"/>
+          <p:nvPr/>
+        </p:nvSpPr>
+        <p:spPr>
+          <a:xfrm>
+            <a:off x="8568646" y="5908111"/>
+            <a:ext cx="2694397" cy="646331"/>
+          </a:xfrm>
+          <a:prstGeom prst="rect">
+            <a:avLst/>
+          </a:prstGeom>
+          <a:noFill/>
+        </p:spPr>
+        <p:txBody>
+          <a:bodyPr wrap="square">
+            <a:spAutoFit/>
+          </a:bodyPr>
+          <a:lstStyle/>
+          <a:p>
+            <a:pPr algn="r">
+              <a:lnSpc>
+                <a:spcPct val="100000"/>
+              </a:lnSpc>
+            </a:pPr>
+            <a:r>
+              <a:rPr lang="en-US" dirty="0">
+                <a:solidFill>
+                  <a:schemeClr val="tx1">
+                    <a:lumMod val="65000"/>
+                    <a:lumOff val="35000"/>
+                  </a:schemeClr>
+                </a:solidFill>
+              </a:rPr>
+              <a:t>“One Ring to rule them all”</a:t>
+            </a:r>
+          </a:p>
+          <a:p>
+            <a:pPr algn="r">
+              <a:lnSpc>
+                <a:spcPct val="100000"/>
+              </a:lnSpc>
+            </a:pPr>
+            <a:r>
+              <a:rPr lang="en-US" dirty="0">
+                <a:solidFill>
+                  <a:schemeClr val="tx1">
+                    <a:lumMod val="65000"/>
+                    <a:lumOff val="35000"/>
+                  </a:schemeClr>
+                </a:solidFill>
+              </a:rPr>
+              <a:t>– </a:t>
+            </a:r>
+            <a:r>
+              <a:rPr lang="en-US" b="0" i="0" dirty="0">
+                <a:solidFill>
+                  <a:schemeClr val="tx1">
+                    <a:lumMod val="65000"/>
+                    <a:lumOff val="35000"/>
+                  </a:schemeClr>
+                </a:solidFill>
+                <a:effectLst/>
+              </a:rPr>
+              <a:t>Th</a:t>
+            </a:r>
+            <a:r>
+              <a:rPr lang="en-US" dirty="0">
+                <a:solidFill>
+                  <a:schemeClr val="tx1">
+                    <a:lumMod val="65000"/>
+                    <a:lumOff val="35000"/>
+                  </a:schemeClr>
+                </a:solidFill>
+              </a:rPr>
+              <a:t>e Free People</a:t>
+            </a:r>
+            <a:endParaRPr lang="en-GB" b="0" i="0" dirty="0">
+              <a:solidFill>
+                <a:srgbClr val="373A3C"/>
+              </a:solidFill>
+              <a:effectLst/>
+            </a:endParaRPr>
+          </a:p>
+        </p:txBody>
+      </p:sp>
     </p:spTree>
     <p:extLst>
       <p:ext uri="{BB962C8B-B14F-4D97-AF65-F5344CB8AC3E}">
         <p14:creationId xmlns:p14="http://schemas.microsoft.com/office/powerpoint/2010/main" val="1978009595"/>
+      </p:ext>
+    </p:extLst>
+  </p:cSld>
+  <p:clrMapOvr>
+    <a:masterClrMapping/>
+  </p:clrMapOvr>
+</p:sld>
+</file>
+
+<file path=ppt/slides/slide8.xml><?xml version="1.0" encoding="utf-8"?>
+<p:sld xmlns:a="http://schemas.openxmlformats.org/drawingml/2006/main" xmlns:r="http://schemas.openxmlformats.org/officeDocument/2006/relationships" xmlns:p="http://schemas.openxmlformats.org/presentationml/2006/main">
+  <p:cSld>
+    <p:spTree>
+      <p:nvGrpSpPr>
+        <p:cNvPr id="1" name=""/>
+        <p:cNvGrpSpPr/>
+        <p:nvPr/>
+      </p:nvGrpSpPr>
+      <p:grpSpPr>
+        <a:xfrm>
+          <a:off x="0" y="0"/>
+          <a:ext cx="0" cy="0"/>
+          <a:chOff x="0" y="0"/>
+          <a:chExt cx="0" cy="0"/>
+        </a:xfrm>
+      </p:grpSpPr>
+      <p:sp>
+        <p:nvSpPr>
+          <p:cNvPr id="2" name="Title 1">
+            <a:extLst>
+              <a:ext uri="{FF2B5EF4-FFF2-40B4-BE49-F238E27FC236}">
+                <a16:creationId xmlns:a16="http://schemas.microsoft.com/office/drawing/2014/main" id="{95E03798-1DE5-3F43-AD03-9D487FED406D}"/>
+              </a:ext>
+            </a:extLst>
+          </p:cNvPr>
+          <p:cNvSpPr>
+            <a:spLocks noGrp="1"/>
+          </p:cNvSpPr>
+          <p:nvPr>
+            <p:ph type="title"/>
+          </p:nvPr>
+        </p:nvSpPr>
+        <p:spPr/>
+        <p:txBody>
+          <a:bodyPr/>
+          <a:lstStyle/>
+          <a:p>
+            <a:r>
+              <a:rPr lang="en-GB" dirty="0"/>
+              <a:t>The </a:t>
+            </a:r>
+            <a:r>
+              <a:rPr lang="en-GB" dirty="0" err="1"/>
+              <a:t>Bioc</a:t>
+            </a:r>
+            <a:r>
+              <a:rPr lang="en-GB" dirty="0"/>
+              <a:t>. developer toolkit</a:t>
+            </a:r>
+            <a:endParaRPr lang="en-US" dirty="0"/>
+          </a:p>
+        </p:txBody>
+      </p:sp>
+      <p:sp>
+        <p:nvSpPr>
+          <p:cNvPr id="3" name="Content Placeholder 2">
+            <a:extLst>
+              <a:ext uri="{FF2B5EF4-FFF2-40B4-BE49-F238E27FC236}">
+                <a16:creationId xmlns:a16="http://schemas.microsoft.com/office/drawing/2014/main" id="{B47959E5-AD78-EF40-8848-508184FD79D3}"/>
+              </a:ext>
+            </a:extLst>
+          </p:cNvPr>
+          <p:cNvSpPr>
+            <a:spLocks noGrp="1"/>
+          </p:cNvSpPr>
+          <p:nvPr>
+            <p:ph idx="1"/>
+          </p:nvPr>
+        </p:nvSpPr>
+        <p:spPr>
+          <a:xfrm>
+            <a:off x="111760" y="863822"/>
+            <a:ext cx="11927840" cy="5517515"/>
+          </a:xfrm>
+        </p:spPr>
+        <p:txBody>
+          <a:bodyPr>
+            <a:normAutofit fontScale="85000" lnSpcReduction="20000"/>
+          </a:bodyPr>
+          <a:lstStyle/>
+          <a:p>
+            <a:r>
+              <a:rPr lang="en-US" dirty="0">
+                <a:solidFill>
+                  <a:srgbClr val="00B0F0"/>
+                </a:solidFill>
+                <a:hlinkClick r:id="rId2"/>
+              </a:rPr>
+              <a:t>https://r-pkgs.org/ </a:t>
+            </a:r>
+          </a:p>
+          <a:p>
+            <a:r>
+              <a:rPr lang="en-US" dirty="0">
+                <a:solidFill>
+                  <a:srgbClr val="00B0F0"/>
+                </a:solidFill>
+                <a:hlinkClick r:id="rId2"/>
+              </a:rPr>
+              <a:t>https://contributions.bioconductor.org/index.html</a:t>
+            </a:r>
+            <a:endParaRPr lang="en-US" dirty="0">
+              <a:solidFill>
+                <a:srgbClr val="00B0F0"/>
+              </a:solidFill>
+            </a:endParaRPr>
+          </a:p>
+          <a:p>
+            <a:r>
+              <a:rPr lang="en-US" dirty="0" err="1"/>
+              <a:t>devtools</a:t>
+            </a:r>
+            <a:endParaRPr lang="en-US" dirty="0"/>
+          </a:p>
+          <a:p>
+            <a:pPr marL="673100" indent="-220663"/>
+            <a:r>
+              <a:rPr lang="en-US" b="1" dirty="0" err="1">
+                <a:solidFill>
+                  <a:srgbClr val="00B050"/>
+                </a:solidFill>
+              </a:rPr>
+              <a:t>usethis</a:t>
+            </a:r>
+            <a:endParaRPr lang="en-US" b="1" dirty="0">
+              <a:solidFill>
+                <a:srgbClr val="00B050"/>
+              </a:solidFill>
+            </a:endParaRPr>
+          </a:p>
+          <a:p>
+            <a:pPr marL="673100" indent="-220663"/>
+            <a:r>
+              <a:rPr lang="en-US" dirty="0"/>
+              <a:t>remotes</a:t>
+            </a:r>
+          </a:p>
+          <a:p>
+            <a:pPr marL="673100" indent="-220663"/>
+            <a:r>
+              <a:rPr lang="en-US" dirty="0" err="1"/>
+              <a:t>testthat</a:t>
+            </a:r>
+            <a:endParaRPr lang="en-US" dirty="0"/>
+          </a:p>
+          <a:p>
+            <a:pPr marL="274638" indent="-222250"/>
+            <a:r>
+              <a:rPr lang="en-US" dirty="0" err="1"/>
+              <a:t>BiocCheck</a:t>
+            </a:r>
+            <a:endParaRPr lang="en-US" dirty="0"/>
+          </a:p>
+          <a:p>
+            <a:pPr marL="274638" indent="-222250"/>
+            <a:r>
+              <a:rPr lang="en-US" dirty="0" err="1"/>
+              <a:t>Biocthis</a:t>
+            </a:r>
+            <a:endParaRPr lang="en-US" dirty="0"/>
+          </a:p>
+          <a:p>
+            <a:pPr marL="274638" indent="-222250"/>
+            <a:r>
+              <a:rPr lang="en-US" dirty="0"/>
+              <a:t>RStudio</a:t>
+            </a:r>
+          </a:p>
+          <a:p>
+            <a:pPr marL="342900" indent="-342900">
+              <a:buFont typeface="Wingdings" pitchFamily="2" charset="2"/>
+              <a:buChar char="Ø"/>
+            </a:pPr>
+            <a:r>
+              <a:rPr lang="en-US" dirty="0"/>
+              <a:t>And many more…: </a:t>
+            </a:r>
+            <a:r>
+              <a:rPr lang="en-US" dirty="0">
+                <a:solidFill>
+                  <a:srgbClr val="00B0F0"/>
+                </a:solidFill>
+                <a:hlinkClick r:id="rId3"/>
+              </a:rPr>
+              <a:t>https://indrajeetpatil.github.io/awesome-r-pkgtools/</a:t>
+            </a:r>
+            <a:endParaRPr lang="en-US" dirty="0">
+              <a:solidFill>
+                <a:srgbClr val="00B0F0"/>
+              </a:solidFill>
+            </a:endParaRPr>
+          </a:p>
+        </p:txBody>
+      </p:sp>
+      <p:sp>
+        <p:nvSpPr>
+          <p:cNvPr id="4" name="TextBox 3">
+            <a:extLst>
+              <a:ext uri="{FF2B5EF4-FFF2-40B4-BE49-F238E27FC236}">
+                <a16:creationId xmlns:a16="http://schemas.microsoft.com/office/drawing/2014/main" id="{5520E296-54FE-9340-8123-450D3C90943A}"/>
+              </a:ext>
+            </a:extLst>
+          </p:cNvPr>
+          <p:cNvSpPr txBox="1"/>
+          <p:nvPr/>
+        </p:nvSpPr>
+        <p:spPr>
+          <a:xfrm>
+            <a:off x="1988288" y="2606379"/>
+            <a:ext cx="5858539" cy="400110"/>
+          </a:xfrm>
+          <a:prstGeom prst="rect">
+            <a:avLst/>
+          </a:prstGeom>
+          <a:noFill/>
+        </p:spPr>
+        <p:txBody>
+          <a:bodyPr wrap="square" rtlCol="0">
+            <a:spAutoFit/>
+          </a:bodyPr>
+          <a:lstStyle/>
+          <a:p>
+            <a:r>
+              <a:rPr lang="en-US" sz="2000" b="1" dirty="0">
+                <a:latin typeface="Avenir Book" panose="02000503020000020003" pitchFamily="2" charset="0"/>
+                <a:sym typeface="Wingdings" pitchFamily="2" charset="2"/>
+              </a:rPr>
+              <a:t> </a:t>
+            </a:r>
+            <a:r>
+              <a:rPr lang="en-US" sz="2000" b="1" dirty="0">
+                <a:latin typeface="Avenir Book" panose="02000503020000020003" pitchFamily="2" charset="0"/>
+              </a:rPr>
+              <a:t>Fastening early package development</a:t>
+            </a:r>
+          </a:p>
+        </p:txBody>
+      </p:sp>
+    </p:spTree>
+    <p:extLst>
+      <p:ext uri="{BB962C8B-B14F-4D97-AF65-F5344CB8AC3E}">
+        <p14:creationId xmlns:p14="http://schemas.microsoft.com/office/powerpoint/2010/main" val="1003325184"/>
       </p:ext>
     </p:extLst>
   </p:cSld>
@@ -15022,12 +14196,16 @@
           <a:lstStyle/>
           <a:p>
             <a:r>
+              <a:rPr lang="en-GB" dirty="0"/>
+              <a:t>The </a:t>
+            </a:r>
+            <a:r>
               <a:rPr lang="en-GB" dirty="0" err="1"/>
-              <a:t>Devtools</a:t>
+              <a:t>Bioc</a:t>
             </a:r>
             <a:r>
               <a:rPr lang="en-GB" dirty="0"/>
-              <a:t> and co</a:t>
+              <a:t>. developer toolkit</a:t>
             </a:r>
             <a:endParaRPr lang="en-US" dirty="0"/>
           </a:p>
@@ -15051,589 +14229,173 @@
         </p:nvSpPr>
         <p:spPr>
           <a:xfrm>
-            <a:off x="111760" y="873761"/>
-            <a:ext cx="11927840" cy="6363380"/>
+            <a:off x="111760" y="863822"/>
+            <a:ext cx="11927840" cy="5517515"/>
           </a:xfrm>
         </p:spPr>
         <p:txBody>
           <a:bodyPr>
-            <a:normAutofit/>
+            <a:normAutofit fontScale="85000" lnSpcReduction="20000"/>
           </a:bodyPr>
           <a:lstStyle/>
           <a:p>
-            <a:pPr marL="0" indent="0"/>
-            <a:r>
-              <a:rPr lang="en-GB" b="0" i="0" dirty="0" err="1">
-                <a:solidFill>
-                  <a:srgbClr val="1A1917"/>
-                </a:solidFill>
-                <a:effectLst/>
-              </a:rPr>
+            <a:r>
+              <a:rPr lang="en-US" dirty="0">
+                <a:solidFill>
+                  <a:srgbClr val="00B0F0"/>
+                </a:solidFill>
+                <a:hlinkClick r:id="rId2"/>
+              </a:rPr>
+              <a:t>https://r-pkgs.org/ </a:t>
+            </a:r>
+          </a:p>
+          <a:p>
+            <a:r>
+              <a:rPr lang="en-US" dirty="0">
+                <a:solidFill>
+                  <a:srgbClr val="00B0F0"/>
+                </a:solidFill>
+                <a:hlinkClick r:id="rId2"/>
+              </a:rPr>
+              <a:t>https://contributions.bioconductor.org/index.html</a:t>
+            </a:r>
+            <a:endParaRPr lang="en-US" dirty="0">
+              <a:solidFill>
+                <a:srgbClr val="00B0F0"/>
+              </a:solidFill>
+            </a:endParaRPr>
+          </a:p>
+          <a:p>
+            <a:r>
+              <a:rPr lang="en-US" dirty="0" err="1"/>
               <a:t>devtools</a:t>
             </a:r>
-            <a:r>
-              <a:rPr lang="en-GB" b="0" i="0" dirty="0">
-                <a:solidFill>
-                  <a:srgbClr val="1A1917"/>
-                </a:solidFill>
-                <a:effectLst/>
-              </a:rPr>
-              <a:t> makes package development easier by providing R functions that simplify and expedite common tasks</a:t>
-            </a:r>
-            <a:r>
-              <a:rPr lang="en-US" b="0" i="0" dirty="0">
-                <a:solidFill>
-                  <a:srgbClr val="1A1917"/>
-                </a:solidFill>
-                <a:effectLst/>
-              </a:rPr>
-              <a:t>. </a:t>
-            </a:r>
-            <a:endParaRPr lang="en-GB" b="0" i="0" dirty="0">
+            <a:endParaRPr lang="en-US" dirty="0"/>
+          </a:p>
+          <a:p>
+            <a:pPr marL="673100" indent="-220663"/>
+            <a:r>
+              <a:rPr lang="en-US" dirty="0" err="1"/>
+              <a:t>usethis</a:t>
+            </a:r>
+            <a:endParaRPr lang="en-US" dirty="0"/>
+          </a:p>
+          <a:p>
+            <a:pPr marL="673100" indent="-220663"/>
+            <a:r>
+              <a:rPr lang="en-US" b="1" dirty="0">
+                <a:solidFill>
+                  <a:srgbClr val="00B050"/>
+                </a:solidFill>
+              </a:rPr>
+              <a:t>remotes</a:t>
+            </a:r>
+          </a:p>
+          <a:p>
+            <a:pPr marL="673100" indent="-220663"/>
+            <a:r>
+              <a:rPr lang="en-US" dirty="0" err="1"/>
+              <a:t>testthat</a:t>
+            </a:r>
+            <a:endParaRPr lang="en-US" dirty="0"/>
+          </a:p>
+          <a:p>
+            <a:pPr marL="274638" indent="-222250"/>
+            <a:r>
+              <a:rPr lang="en-US" dirty="0" err="1"/>
+              <a:t>BiocCheck</a:t>
+            </a:r>
+            <a:endParaRPr lang="en-US" dirty="0"/>
+          </a:p>
+          <a:p>
+            <a:pPr marL="274638" indent="-222250"/>
+            <a:r>
+              <a:rPr lang="en-US" dirty="0" err="1"/>
+              <a:t>Biocthis</a:t>
+            </a:r>
+            <a:endParaRPr lang="en-US" dirty="0"/>
+          </a:p>
+          <a:p>
+            <a:pPr marL="274638" indent="-222250"/>
+            <a:r>
+              <a:rPr lang="en-US" dirty="0"/>
+              <a:t>RStudio</a:t>
+            </a:r>
+          </a:p>
+          <a:p>
+            <a:pPr marL="342900" indent="-342900">
+              <a:buFont typeface="Wingdings" pitchFamily="2" charset="2"/>
+              <a:buChar char="Ø"/>
+            </a:pPr>
+            <a:r>
+              <a:rPr lang="en-US" dirty="0"/>
+              <a:t>And many more…: </a:t>
+            </a:r>
+            <a:r>
+              <a:rPr lang="en-US" dirty="0">
+                <a:solidFill>
+                  <a:srgbClr val="00B0F0"/>
+                </a:solidFill>
+                <a:hlinkClick r:id="rId3"/>
+              </a:rPr>
+              <a:t>https://indrajeetpatil.github.io/awesome-r-pkgtools/</a:t>
+            </a:r>
+            <a:endParaRPr lang="en-US" dirty="0">
               <a:solidFill>
-                <a:srgbClr val="373A3C"/>
+                <a:srgbClr val="00B0F0"/>
               </a:solidFill>
-              <a:effectLst/>
             </a:endParaRPr>
           </a:p>
         </p:txBody>
       </p:sp>
       <p:sp>
         <p:nvSpPr>
-          <p:cNvPr id="4" name="Rounded Rectangle 3">
+          <p:cNvPr id="4" name="TextBox 3">
             <a:extLst>
               <a:ext uri="{FF2B5EF4-FFF2-40B4-BE49-F238E27FC236}">
-                <a16:creationId xmlns:a16="http://schemas.microsoft.com/office/drawing/2014/main" id="{789FC64D-87A6-9E4D-85C2-3999220DB7C3}"/>
+                <a16:creationId xmlns:a16="http://schemas.microsoft.com/office/drawing/2014/main" id="{5520E296-54FE-9340-8123-450D3C90943A}"/>
               </a:ext>
             </a:extLst>
           </p:cNvPr>
-          <p:cNvSpPr/>
+          <p:cNvSpPr txBox="1"/>
           <p:nvPr/>
         </p:nvSpPr>
         <p:spPr>
           <a:xfrm>
-            <a:off x="524107" y="1984917"/>
-            <a:ext cx="10894742" cy="4683512"/>
+            <a:off x="1988289" y="3159272"/>
+            <a:ext cx="4540102" cy="400110"/>
           </a:xfrm>
-          <a:prstGeom prst="roundRect">
-            <a:avLst>
-              <a:gd name="adj" fmla="val 3901"/>
-            </a:avLst>
+          <a:prstGeom prst="rect">
+            <a:avLst/>
           </a:prstGeom>
-          <a:solidFill>
-            <a:srgbClr val="F1F3F5"/>
-          </a:solidFill>
-          <a:ln>
-            <a:noFill/>
-          </a:ln>
+          <a:noFill/>
         </p:spPr>
-        <p:style>
-          <a:lnRef idx="2">
-            <a:schemeClr val="accent1">
-              <a:shade val="50000"/>
-            </a:schemeClr>
-          </a:lnRef>
-          <a:fillRef idx="1">
-            <a:schemeClr val="accent1"/>
-          </a:fillRef>
-          <a:effectRef idx="0">
-            <a:schemeClr val="accent1"/>
-          </a:effectRef>
-          <a:fontRef idx="minor">
-            <a:schemeClr val="lt1"/>
-          </a:fontRef>
-        </p:style>
         <p:txBody>
-          <a:bodyPr rtlCol="0" anchor="ctr"/>
+          <a:bodyPr wrap="square" rtlCol="0">
+            <a:spAutoFit/>
+          </a:bodyPr>
           <a:lstStyle/>
           <a:p>
             <a:r>
-              <a:rPr lang="en-GB" sz="1100" dirty="0">
-                <a:solidFill>
-                  <a:srgbClr val="003B4F"/>
-                </a:solidFill>
-                <a:effectLst/>
-                <a:latin typeface="Menlo" panose="020B0609030804020204" pitchFamily="49" charset="0"/>
-                <a:ea typeface="Menlo" panose="020B0609030804020204" pitchFamily="49" charset="0"/>
-                <a:cs typeface="Menlo" panose="020B0609030804020204" pitchFamily="49" charset="0"/>
-              </a:rPr>
-              <a:t>&gt; </a:t>
-            </a:r>
-            <a:r>
-              <a:rPr lang="en-GB" sz="1100" dirty="0" err="1">
-                <a:solidFill>
-                  <a:srgbClr val="003B4F"/>
-                </a:solidFill>
-                <a:effectLst/>
-                <a:latin typeface="Menlo" panose="020B0609030804020204" pitchFamily="49" charset="0"/>
-                <a:ea typeface="Menlo" panose="020B0609030804020204" pitchFamily="49" charset="0"/>
-                <a:cs typeface="Menlo" panose="020B0609030804020204" pitchFamily="49" charset="0"/>
-              </a:rPr>
-              <a:t>sessionInfo</a:t>
-            </a:r>
-            <a:r>
-              <a:rPr lang="en-GB" sz="1100" dirty="0">
-                <a:solidFill>
-                  <a:srgbClr val="003B4F"/>
-                </a:solidFill>
-                <a:effectLst/>
-                <a:latin typeface="Menlo" panose="020B0609030804020204" pitchFamily="49" charset="0"/>
-                <a:ea typeface="Menlo" panose="020B0609030804020204" pitchFamily="49" charset="0"/>
-                <a:cs typeface="Menlo" panose="020B0609030804020204" pitchFamily="49" charset="0"/>
-              </a:rPr>
-              <a:t>()</a:t>
-            </a:r>
-          </a:p>
-          <a:p>
-            <a:endParaRPr lang="en-GB" sz="1100" dirty="0">
-              <a:solidFill>
-                <a:srgbClr val="003B4F"/>
-              </a:solidFill>
-              <a:effectLst/>
-              <a:latin typeface="Menlo" panose="020B0609030804020204" pitchFamily="49" charset="0"/>
-              <a:ea typeface="Menlo" panose="020B0609030804020204" pitchFamily="49" charset="0"/>
-              <a:cs typeface="Menlo" panose="020B0609030804020204" pitchFamily="49" charset="0"/>
-            </a:endParaRPr>
-          </a:p>
-          <a:p>
-            <a:r>
-              <a:rPr lang="en-GB" sz="1100" dirty="0">
-                <a:solidFill>
-                  <a:srgbClr val="003B4F"/>
-                </a:solidFill>
-                <a:effectLst/>
-                <a:latin typeface="Menlo" panose="020B0609030804020204" pitchFamily="49" charset="0"/>
-                <a:ea typeface="Menlo" panose="020B0609030804020204" pitchFamily="49" charset="0"/>
-                <a:cs typeface="Menlo" panose="020B0609030804020204" pitchFamily="49" charset="0"/>
-              </a:rPr>
-              <a:t>R version 4.1.2 (2021-11-01)</a:t>
-            </a:r>
-          </a:p>
-          <a:p>
-            <a:r>
-              <a:rPr lang="en-GB" sz="1100" dirty="0">
-                <a:solidFill>
-                  <a:srgbClr val="003B4F"/>
-                </a:solidFill>
-                <a:effectLst/>
-                <a:latin typeface="Menlo" panose="020B0609030804020204" pitchFamily="49" charset="0"/>
-                <a:ea typeface="Menlo" panose="020B0609030804020204" pitchFamily="49" charset="0"/>
-                <a:cs typeface="Menlo" panose="020B0609030804020204" pitchFamily="49" charset="0"/>
-              </a:rPr>
-              <a:t>Platform: x86_64-apple-darwin17.0 (64-bit)</a:t>
-            </a:r>
-          </a:p>
-          <a:p>
-            <a:r>
-              <a:rPr lang="en-GB" sz="1100" dirty="0">
-                <a:solidFill>
-                  <a:srgbClr val="003B4F"/>
-                </a:solidFill>
-                <a:effectLst/>
-                <a:latin typeface="Menlo" panose="020B0609030804020204" pitchFamily="49" charset="0"/>
-                <a:ea typeface="Menlo" panose="020B0609030804020204" pitchFamily="49" charset="0"/>
-                <a:cs typeface="Menlo" panose="020B0609030804020204" pitchFamily="49" charset="0"/>
-              </a:rPr>
-              <a:t>Running under: macOS High Sierra 10.13.6</a:t>
-            </a:r>
-          </a:p>
-          <a:p>
-            <a:endParaRPr lang="en-GB" sz="1100" dirty="0">
-              <a:solidFill>
-                <a:srgbClr val="003B4F"/>
-              </a:solidFill>
-              <a:effectLst/>
-              <a:latin typeface="Menlo" panose="020B0609030804020204" pitchFamily="49" charset="0"/>
-              <a:ea typeface="Menlo" panose="020B0609030804020204" pitchFamily="49" charset="0"/>
-              <a:cs typeface="Menlo" panose="020B0609030804020204" pitchFamily="49" charset="0"/>
-            </a:endParaRPr>
-          </a:p>
-          <a:p>
-            <a:r>
-              <a:rPr lang="en-GB" sz="1100" dirty="0">
-                <a:solidFill>
-                  <a:srgbClr val="003B4F"/>
-                </a:solidFill>
-                <a:effectLst/>
-                <a:latin typeface="Menlo" panose="020B0609030804020204" pitchFamily="49" charset="0"/>
-                <a:ea typeface="Menlo" panose="020B0609030804020204" pitchFamily="49" charset="0"/>
-                <a:cs typeface="Menlo" panose="020B0609030804020204" pitchFamily="49" charset="0"/>
-              </a:rPr>
-              <a:t>Matrix products: default</a:t>
-            </a:r>
-          </a:p>
-          <a:p>
-            <a:r>
-              <a:rPr lang="en-GB" sz="1100" dirty="0">
-                <a:solidFill>
-                  <a:srgbClr val="003B4F"/>
-                </a:solidFill>
-                <a:effectLst/>
-                <a:latin typeface="Menlo" panose="020B0609030804020204" pitchFamily="49" charset="0"/>
-                <a:ea typeface="Menlo" panose="020B0609030804020204" pitchFamily="49" charset="0"/>
-                <a:cs typeface="Menlo" panose="020B0609030804020204" pitchFamily="49" charset="0"/>
-              </a:rPr>
-              <a:t>BLAS:   /Library/Frameworks/</a:t>
-            </a:r>
-            <a:r>
-              <a:rPr lang="en-GB" sz="1100" dirty="0" err="1">
-                <a:solidFill>
-                  <a:srgbClr val="003B4F"/>
-                </a:solidFill>
-                <a:effectLst/>
-                <a:latin typeface="Menlo" panose="020B0609030804020204" pitchFamily="49" charset="0"/>
-                <a:ea typeface="Menlo" panose="020B0609030804020204" pitchFamily="49" charset="0"/>
-                <a:cs typeface="Menlo" panose="020B0609030804020204" pitchFamily="49" charset="0"/>
-              </a:rPr>
-              <a:t>R.framework</a:t>
-            </a:r>
-            <a:r>
-              <a:rPr lang="en-GB" sz="1100" dirty="0">
-                <a:solidFill>
-                  <a:srgbClr val="003B4F"/>
-                </a:solidFill>
-                <a:effectLst/>
-                <a:latin typeface="Menlo" panose="020B0609030804020204" pitchFamily="49" charset="0"/>
-                <a:ea typeface="Menlo" panose="020B0609030804020204" pitchFamily="49" charset="0"/>
-                <a:cs typeface="Menlo" panose="020B0609030804020204" pitchFamily="49" charset="0"/>
-              </a:rPr>
-              <a:t>/Versions/4.1/Resources/lib/libRblas.0.dylib</a:t>
-            </a:r>
-          </a:p>
-          <a:p>
-            <a:r>
-              <a:rPr lang="en-GB" sz="1100" dirty="0">
-                <a:solidFill>
-                  <a:srgbClr val="003B4F"/>
-                </a:solidFill>
-                <a:effectLst/>
-                <a:latin typeface="Menlo" panose="020B0609030804020204" pitchFamily="49" charset="0"/>
-                <a:ea typeface="Menlo" panose="020B0609030804020204" pitchFamily="49" charset="0"/>
-                <a:cs typeface="Menlo" panose="020B0609030804020204" pitchFamily="49" charset="0"/>
-              </a:rPr>
-              <a:t>LAPACK: /Library/Frameworks/</a:t>
-            </a:r>
-            <a:r>
-              <a:rPr lang="en-GB" sz="1100" dirty="0" err="1">
-                <a:solidFill>
-                  <a:srgbClr val="003B4F"/>
-                </a:solidFill>
-                <a:effectLst/>
-                <a:latin typeface="Menlo" panose="020B0609030804020204" pitchFamily="49" charset="0"/>
-                <a:ea typeface="Menlo" panose="020B0609030804020204" pitchFamily="49" charset="0"/>
-                <a:cs typeface="Menlo" panose="020B0609030804020204" pitchFamily="49" charset="0"/>
-              </a:rPr>
-              <a:t>R.framework</a:t>
-            </a:r>
-            <a:r>
-              <a:rPr lang="en-GB" sz="1100" dirty="0">
-                <a:solidFill>
-                  <a:srgbClr val="003B4F"/>
-                </a:solidFill>
-                <a:effectLst/>
-                <a:latin typeface="Menlo" panose="020B0609030804020204" pitchFamily="49" charset="0"/>
-                <a:ea typeface="Menlo" panose="020B0609030804020204" pitchFamily="49" charset="0"/>
-                <a:cs typeface="Menlo" panose="020B0609030804020204" pitchFamily="49" charset="0"/>
-              </a:rPr>
-              <a:t>/Versions/4.1/Resources/lib/</a:t>
-            </a:r>
-            <a:r>
-              <a:rPr lang="en-GB" sz="1100" dirty="0" err="1">
-                <a:solidFill>
-                  <a:srgbClr val="003B4F"/>
-                </a:solidFill>
-                <a:effectLst/>
-                <a:latin typeface="Menlo" panose="020B0609030804020204" pitchFamily="49" charset="0"/>
-                <a:ea typeface="Menlo" panose="020B0609030804020204" pitchFamily="49" charset="0"/>
-                <a:cs typeface="Menlo" panose="020B0609030804020204" pitchFamily="49" charset="0"/>
-              </a:rPr>
-              <a:t>libRlapack.dylib</a:t>
-            </a:r>
-            <a:endParaRPr lang="en-GB" sz="1100" dirty="0">
-              <a:solidFill>
-                <a:srgbClr val="003B4F"/>
-              </a:solidFill>
-              <a:effectLst/>
-              <a:latin typeface="Menlo" panose="020B0609030804020204" pitchFamily="49" charset="0"/>
-              <a:ea typeface="Menlo" panose="020B0609030804020204" pitchFamily="49" charset="0"/>
-              <a:cs typeface="Menlo" panose="020B0609030804020204" pitchFamily="49" charset="0"/>
-            </a:endParaRPr>
-          </a:p>
-          <a:p>
-            <a:endParaRPr lang="en-GB" sz="1100" dirty="0">
-              <a:solidFill>
-                <a:srgbClr val="003B4F"/>
-              </a:solidFill>
-              <a:effectLst/>
-              <a:latin typeface="Menlo" panose="020B0609030804020204" pitchFamily="49" charset="0"/>
-              <a:ea typeface="Menlo" panose="020B0609030804020204" pitchFamily="49" charset="0"/>
-              <a:cs typeface="Menlo" panose="020B0609030804020204" pitchFamily="49" charset="0"/>
-            </a:endParaRPr>
-          </a:p>
-          <a:p>
-            <a:r>
-              <a:rPr lang="en-GB" sz="1100" dirty="0">
-                <a:solidFill>
-                  <a:srgbClr val="003B4F"/>
-                </a:solidFill>
-                <a:effectLst/>
-                <a:latin typeface="Menlo" panose="020B0609030804020204" pitchFamily="49" charset="0"/>
-                <a:ea typeface="Menlo" panose="020B0609030804020204" pitchFamily="49" charset="0"/>
-                <a:cs typeface="Menlo" panose="020B0609030804020204" pitchFamily="49" charset="0"/>
-              </a:rPr>
-              <a:t>locale:</a:t>
-            </a:r>
-          </a:p>
-          <a:p>
-            <a:r>
-              <a:rPr lang="en-GB" sz="1100" dirty="0">
-                <a:solidFill>
-                  <a:srgbClr val="003B4F"/>
-                </a:solidFill>
-                <a:effectLst/>
-                <a:latin typeface="Menlo" panose="020B0609030804020204" pitchFamily="49" charset="0"/>
-                <a:ea typeface="Menlo" panose="020B0609030804020204" pitchFamily="49" charset="0"/>
-                <a:cs typeface="Menlo" panose="020B0609030804020204" pitchFamily="49" charset="0"/>
-              </a:rPr>
-              <a:t>[1] en_GB.UTF-8/en_GB.UTF-8/en_GB.UTF-8/C/en_GB.UTF-8/en_GB.UTF-8</a:t>
-            </a:r>
-          </a:p>
-          <a:p>
-            <a:endParaRPr lang="en-GB" sz="1100" dirty="0">
-              <a:solidFill>
-                <a:srgbClr val="003B4F"/>
-              </a:solidFill>
-              <a:effectLst/>
-              <a:latin typeface="Menlo" panose="020B0609030804020204" pitchFamily="49" charset="0"/>
-              <a:ea typeface="Menlo" panose="020B0609030804020204" pitchFamily="49" charset="0"/>
-              <a:cs typeface="Menlo" panose="020B0609030804020204" pitchFamily="49" charset="0"/>
-            </a:endParaRPr>
-          </a:p>
-          <a:p>
-            <a:r>
-              <a:rPr lang="en-GB" sz="1100" dirty="0">
-                <a:solidFill>
-                  <a:srgbClr val="003B4F"/>
-                </a:solidFill>
-                <a:effectLst/>
-                <a:latin typeface="Menlo" panose="020B0609030804020204" pitchFamily="49" charset="0"/>
-                <a:ea typeface="Menlo" panose="020B0609030804020204" pitchFamily="49" charset="0"/>
-                <a:cs typeface="Menlo" panose="020B0609030804020204" pitchFamily="49" charset="0"/>
-              </a:rPr>
-              <a:t>attached base packages:</a:t>
-            </a:r>
-          </a:p>
-          <a:p>
-            <a:r>
-              <a:rPr lang="en-GB" sz="1100" dirty="0">
-                <a:solidFill>
-                  <a:srgbClr val="003B4F"/>
-                </a:solidFill>
-                <a:effectLst/>
-                <a:latin typeface="Menlo" panose="020B0609030804020204" pitchFamily="49" charset="0"/>
-                <a:ea typeface="Menlo" panose="020B0609030804020204" pitchFamily="49" charset="0"/>
-                <a:cs typeface="Menlo" panose="020B0609030804020204" pitchFamily="49" charset="0"/>
-              </a:rPr>
-              <a:t>[1] stats     graphics  </a:t>
-            </a:r>
-            <a:r>
-              <a:rPr lang="en-GB" sz="1100" dirty="0" err="1">
-                <a:solidFill>
-                  <a:srgbClr val="003B4F"/>
-                </a:solidFill>
-                <a:effectLst/>
-                <a:latin typeface="Menlo" panose="020B0609030804020204" pitchFamily="49" charset="0"/>
-                <a:ea typeface="Menlo" panose="020B0609030804020204" pitchFamily="49" charset="0"/>
-                <a:cs typeface="Menlo" panose="020B0609030804020204" pitchFamily="49" charset="0"/>
-              </a:rPr>
-              <a:t>grDevices</a:t>
-            </a:r>
-            <a:r>
-              <a:rPr lang="en-GB" sz="1100" dirty="0">
-                <a:solidFill>
-                  <a:srgbClr val="003B4F"/>
-                </a:solidFill>
-                <a:effectLst/>
-                <a:latin typeface="Menlo" panose="020B0609030804020204" pitchFamily="49" charset="0"/>
-                <a:ea typeface="Menlo" panose="020B0609030804020204" pitchFamily="49" charset="0"/>
-                <a:cs typeface="Menlo" panose="020B0609030804020204" pitchFamily="49" charset="0"/>
-              </a:rPr>
-              <a:t> utils     datasets  methods   base</a:t>
-            </a:r>
-          </a:p>
-          <a:p>
-            <a:endParaRPr lang="en-GB" sz="1100" dirty="0">
-              <a:solidFill>
-                <a:srgbClr val="003B4F"/>
-              </a:solidFill>
-              <a:effectLst/>
-              <a:latin typeface="Menlo" panose="020B0609030804020204" pitchFamily="49" charset="0"/>
-              <a:ea typeface="Menlo" panose="020B0609030804020204" pitchFamily="49" charset="0"/>
-              <a:cs typeface="Menlo" panose="020B0609030804020204" pitchFamily="49" charset="0"/>
-            </a:endParaRPr>
-          </a:p>
-          <a:p>
-            <a:r>
-              <a:rPr lang="en-GB" sz="1100" dirty="0">
-                <a:solidFill>
-                  <a:srgbClr val="003B4F"/>
-                </a:solidFill>
-                <a:effectLst/>
-                <a:latin typeface="Menlo" panose="020B0609030804020204" pitchFamily="49" charset="0"/>
-                <a:ea typeface="Menlo" panose="020B0609030804020204" pitchFamily="49" charset="0"/>
-                <a:cs typeface="Menlo" panose="020B0609030804020204" pitchFamily="49" charset="0"/>
-              </a:rPr>
-              <a:t>other attached packages:</a:t>
-            </a:r>
-          </a:p>
-          <a:p>
-            <a:r>
-              <a:rPr lang="en-GB" sz="1100" dirty="0">
-                <a:solidFill>
-                  <a:srgbClr val="003B4F"/>
-                </a:solidFill>
-                <a:effectLst/>
-                <a:latin typeface="Menlo" panose="020B0609030804020204" pitchFamily="49" charset="0"/>
-                <a:ea typeface="Menlo" panose="020B0609030804020204" pitchFamily="49" charset="0"/>
-                <a:cs typeface="Menlo" panose="020B0609030804020204" pitchFamily="49" charset="0"/>
-              </a:rPr>
-              <a:t>[1] devtools_2.4.1 usethis_2.0.1</a:t>
-            </a:r>
-          </a:p>
-          <a:p>
-            <a:endParaRPr lang="en-GB" sz="1100" dirty="0">
-              <a:solidFill>
-                <a:srgbClr val="003B4F"/>
-              </a:solidFill>
-              <a:effectLst/>
-              <a:latin typeface="Menlo" panose="020B0609030804020204" pitchFamily="49" charset="0"/>
-              <a:ea typeface="Menlo" panose="020B0609030804020204" pitchFamily="49" charset="0"/>
-              <a:cs typeface="Menlo" panose="020B0609030804020204" pitchFamily="49" charset="0"/>
-            </a:endParaRPr>
-          </a:p>
-          <a:p>
-            <a:r>
-              <a:rPr lang="en-GB" sz="1100" dirty="0">
-                <a:solidFill>
-                  <a:srgbClr val="003B4F"/>
-                </a:solidFill>
-                <a:effectLst/>
-                <a:latin typeface="Menlo" panose="020B0609030804020204" pitchFamily="49" charset="0"/>
-                <a:ea typeface="Menlo" panose="020B0609030804020204" pitchFamily="49" charset="0"/>
-                <a:cs typeface="Menlo" panose="020B0609030804020204" pitchFamily="49" charset="0"/>
-              </a:rPr>
-              <a:t>loaded via a namespace (and not attached):</a:t>
-            </a:r>
-          </a:p>
-          <a:p>
-            <a:r>
-              <a:rPr lang="en-GB" sz="1100" dirty="0">
-                <a:solidFill>
-                  <a:srgbClr val="003B4F"/>
-                </a:solidFill>
-                <a:effectLst/>
-                <a:latin typeface="Menlo" panose="020B0609030804020204" pitchFamily="49" charset="0"/>
-                <a:ea typeface="Menlo" panose="020B0609030804020204" pitchFamily="49" charset="0"/>
-                <a:cs typeface="Menlo" panose="020B0609030804020204" pitchFamily="49" charset="0"/>
-              </a:rPr>
-              <a:t> [1] ps_1.6.0          prettyunits_1.1.1 rprojroot_2.0.2   crayon_1.4.1</a:t>
-            </a:r>
-          </a:p>
-          <a:p>
-            <a:r>
-              <a:rPr lang="en-GB" sz="1100" dirty="0">
-                <a:solidFill>
-                  <a:srgbClr val="003B4F"/>
-                </a:solidFill>
-                <a:effectLst/>
-                <a:latin typeface="Menlo" panose="020B0609030804020204" pitchFamily="49" charset="0"/>
-                <a:ea typeface="Menlo" panose="020B0609030804020204" pitchFamily="49" charset="0"/>
-                <a:cs typeface="Menlo" panose="020B0609030804020204" pitchFamily="49" charset="0"/>
-              </a:rPr>
-              <a:t> [5] withr_2.4.2       R6_2.5.0          lifecycle_1.0.0   magrittr_2.0.1</a:t>
-            </a:r>
-          </a:p>
-          <a:p>
-            <a:r>
-              <a:rPr lang="en-GB" sz="1100" dirty="0">
-                <a:solidFill>
-                  <a:srgbClr val="003B4F"/>
-                </a:solidFill>
-                <a:effectLst/>
-                <a:latin typeface="Menlo" panose="020B0609030804020204" pitchFamily="49" charset="0"/>
-                <a:ea typeface="Menlo" panose="020B0609030804020204" pitchFamily="49" charset="0"/>
-                <a:cs typeface="Menlo" panose="020B0609030804020204" pitchFamily="49" charset="0"/>
-              </a:rPr>
-              <a:t> [9] rlang_0.4.11      cachem_1.0.5      cli_2.5.0         rstudioapi_0.13</a:t>
-            </a:r>
-          </a:p>
-          <a:p>
-            <a:r>
-              <a:rPr lang="en-GB" sz="1100" dirty="0">
-                <a:solidFill>
-                  <a:srgbClr val="003B4F"/>
-                </a:solidFill>
-                <a:effectLst/>
-                <a:latin typeface="Menlo" panose="020B0609030804020204" pitchFamily="49" charset="0"/>
-                <a:ea typeface="Menlo" panose="020B0609030804020204" pitchFamily="49" charset="0"/>
-                <a:cs typeface="Menlo" panose="020B0609030804020204" pitchFamily="49" charset="0"/>
-              </a:rPr>
-              <a:t>[13] remotes_2.4.2     fs_1.5.0          testthat_3.0.2    callr_3.7.0</a:t>
-            </a:r>
-          </a:p>
-          <a:p>
-            <a:r>
-              <a:rPr lang="en-GB" sz="1100" dirty="0">
-                <a:solidFill>
-                  <a:srgbClr val="003B4F"/>
-                </a:solidFill>
-                <a:effectLst/>
-                <a:latin typeface="Menlo" panose="020B0609030804020204" pitchFamily="49" charset="0"/>
-                <a:ea typeface="Menlo" panose="020B0609030804020204" pitchFamily="49" charset="0"/>
-                <a:cs typeface="Menlo" panose="020B0609030804020204" pitchFamily="49" charset="0"/>
-              </a:rPr>
-              <a:t>[17] ellipsis_0.3.2    desc_1.3.0        tools_4.1.2       glue_1.4.2</a:t>
-            </a:r>
-          </a:p>
-          <a:p>
-            <a:r>
-              <a:rPr lang="en-GB" sz="1100" dirty="0">
-                <a:solidFill>
-                  <a:srgbClr val="003B4F"/>
-                </a:solidFill>
-                <a:effectLst/>
-                <a:latin typeface="Menlo" panose="020B0609030804020204" pitchFamily="49" charset="0"/>
-                <a:ea typeface="Menlo" panose="020B0609030804020204" pitchFamily="49" charset="0"/>
-                <a:cs typeface="Menlo" panose="020B0609030804020204" pitchFamily="49" charset="0"/>
-              </a:rPr>
-              <a:t>[21] purrr_0.3.4       pkgload_1.2.1     fastmap_1.1.0     compiler_4.1.2</a:t>
-            </a:r>
-          </a:p>
-          <a:p>
-            <a:r>
-              <a:rPr lang="en-GB" sz="1100" dirty="0">
-                <a:solidFill>
-                  <a:srgbClr val="003B4F"/>
-                </a:solidFill>
-                <a:effectLst/>
-                <a:latin typeface="Menlo" panose="020B0609030804020204" pitchFamily="49" charset="0"/>
-                <a:ea typeface="Menlo" panose="020B0609030804020204" pitchFamily="49" charset="0"/>
-                <a:cs typeface="Menlo" panose="020B0609030804020204" pitchFamily="49" charset="0"/>
-              </a:rPr>
-              <a:t>[25] processx_3.5.2    pkgbuild_1.2.0    sessioninfo_1.1.1 memoise_2.0.0</a:t>
-            </a:r>
-            <a:endParaRPr lang="en-US" sz="1100" dirty="0">
-              <a:latin typeface="Menlo" panose="020B0609030804020204" pitchFamily="49" charset="0"/>
-              <a:ea typeface="Menlo" panose="020B0609030804020204" pitchFamily="49" charset="0"/>
-              <a:cs typeface="Menlo" panose="020B0609030804020204" pitchFamily="49" charset="0"/>
-            </a:endParaRPr>
+              <a:rPr lang="en-US" sz="2000" b="1" dirty="0">
+                <a:latin typeface="Avenir Book" panose="02000503020000020003" pitchFamily="2" charset="0"/>
+                <a:sym typeface="Wingdings" pitchFamily="2" charset="2"/>
+              </a:rPr>
+              <a:t> </a:t>
+            </a:r>
+            <a:r>
+              <a:rPr lang="en-US" sz="2000" b="1" dirty="0">
+                <a:latin typeface="Avenir Book" panose="02000503020000020003" pitchFamily="2" charset="0"/>
+              </a:rPr>
+              <a:t>Installing packages from anywhere</a:t>
+            </a:r>
           </a:p>
         </p:txBody>
       </p:sp>
     </p:spTree>
     <p:extLst>
       <p:ext uri="{BB962C8B-B14F-4D97-AF65-F5344CB8AC3E}">
-        <p14:creationId xmlns:p14="http://schemas.microsoft.com/office/powerpoint/2010/main" val="900037435"/>
+        <p14:creationId xmlns:p14="http://schemas.microsoft.com/office/powerpoint/2010/main" val="3079146754"/>
       </p:ext>
     </p:extLst>
   </p:cSld>
